--- a/STS3022 Soft Skills/reference materials/teams/permutation and combination (1).pptx
+++ b/STS3022 Soft Skills/reference materials/teams/permutation and combination (1).pptx
@@ -2,56 +2,56 @@
 <file path=ppt/presentation.xml><?xml version="1.0" encoding="utf-8"?>
 <p:presentation xmlns:a="http://schemas.openxmlformats.org/drawingml/2006/main" xmlns:r="http://schemas.openxmlformats.org/officeDocument/2006/relationships" xmlns:p="http://schemas.openxmlformats.org/presentationml/2006/main" strictFirstAndLastChars="0" embedTrueTypeFonts="1" saveSubsetFonts="1" autoCompressPictures="0">
   <p:sldMasterIdLst>
-    <p:sldMasterId id="2147483648" r:id="rId1"/>
+    <p:sldMasterId id="2147483648" r:id="rId4"/>
   </p:sldMasterIdLst>
   <p:notesMasterIdLst>
-    <p:notesMasterId r:id="rId36"/>
+    <p:notesMasterId r:id="rId39"/>
   </p:notesMasterIdLst>
   <p:sldIdLst>
-    <p:sldId id="257" r:id="rId2"/>
-    <p:sldId id="348" r:id="rId3"/>
-    <p:sldId id="349" r:id="rId4"/>
-    <p:sldId id="357" r:id="rId5"/>
-    <p:sldId id="260" r:id="rId6"/>
-    <p:sldId id="352" r:id="rId7"/>
-    <p:sldId id="364" r:id="rId8"/>
-    <p:sldId id="331" r:id="rId9"/>
-    <p:sldId id="365" r:id="rId10"/>
-    <p:sldId id="363" r:id="rId11"/>
-    <p:sldId id="366" r:id="rId12"/>
-    <p:sldId id="353" r:id="rId13"/>
-    <p:sldId id="367" r:id="rId14"/>
-    <p:sldId id="369" r:id="rId15"/>
-    <p:sldId id="368" r:id="rId16"/>
-    <p:sldId id="332" r:id="rId17"/>
-    <p:sldId id="370" r:id="rId18"/>
-    <p:sldId id="355" r:id="rId19"/>
-    <p:sldId id="371" r:id="rId20"/>
-    <p:sldId id="333" r:id="rId21"/>
-    <p:sldId id="372" r:id="rId22"/>
-    <p:sldId id="334" r:id="rId23"/>
-    <p:sldId id="373" r:id="rId24"/>
-    <p:sldId id="335" r:id="rId25"/>
-    <p:sldId id="374" r:id="rId26"/>
-    <p:sldId id="281" r:id="rId27"/>
-    <p:sldId id="375" r:id="rId28"/>
-    <p:sldId id="336" r:id="rId29"/>
-    <p:sldId id="377" r:id="rId30"/>
-    <p:sldId id="337" r:id="rId31"/>
-    <p:sldId id="378" r:id="rId32"/>
-    <p:sldId id="356" r:id="rId33"/>
-    <p:sldId id="379" r:id="rId34"/>
-    <p:sldId id="288" r:id="rId35"/>
+    <p:sldId id="257" r:id="rId5"/>
+    <p:sldId id="348" r:id="rId6"/>
+    <p:sldId id="349" r:id="rId7"/>
+    <p:sldId id="357" r:id="rId8"/>
+    <p:sldId id="260" r:id="rId9"/>
+    <p:sldId id="352" r:id="rId10"/>
+    <p:sldId id="364" r:id="rId11"/>
+    <p:sldId id="331" r:id="rId12"/>
+    <p:sldId id="365" r:id="rId13"/>
+    <p:sldId id="363" r:id="rId14"/>
+    <p:sldId id="366" r:id="rId15"/>
+    <p:sldId id="353" r:id="rId16"/>
+    <p:sldId id="367" r:id="rId17"/>
+    <p:sldId id="369" r:id="rId18"/>
+    <p:sldId id="368" r:id="rId19"/>
+    <p:sldId id="332" r:id="rId20"/>
+    <p:sldId id="370" r:id="rId21"/>
+    <p:sldId id="355" r:id="rId22"/>
+    <p:sldId id="371" r:id="rId23"/>
+    <p:sldId id="333" r:id="rId24"/>
+    <p:sldId id="372" r:id="rId25"/>
+    <p:sldId id="334" r:id="rId26"/>
+    <p:sldId id="373" r:id="rId27"/>
+    <p:sldId id="335" r:id="rId28"/>
+    <p:sldId id="374" r:id="rId29"/>
+    <p:sldId id="281" r:id="rId30"/>
+    <p:sldId id="375" r:id="rId31"/>
+    <p:sldId id="336" r:id="rId32"/>
+    <p:sldId id="377" r:id="rId33"/>
+    <p:sldId id="337" r:id="rId34"/>
+    <p:sldId id="378" r:id="rId35"/>
+    <p:sldId id="356" r:id="rId36"/>
+    <p:sldId id="379" r:id="rId37"/>
+    <p:sldId id="288" r:id="rId38"/>
   </p:sldIdLst>
   <p:sldSz cx="9144000" cy="5143500" type="screen16x9"/>
   <p:notesSz cx="6858000" cy="9144000"/>
   <p:embeddedFontLst>
     <p:embeddedFont>
-      <p:font typeface="Roboto" panose="020B0604020202020204" charset="0"/>
-      <p:regular r:id="rId37"/>
-      <p:bold r:id="rId38"/>
-      <p:italic r:id="rId39"/>
-      <p:boldItalic r:id="rId40"/>
+      <p:font typeface="Roboto" panose="02000000000000000000" pitchFamily="2" charset="0"/>
+      <p:regular r:id="rId40"/>
+      <p:bold r:id="rId41"/>
+      <p:italic r:id="rId42"/>
+      <p:boldItalic r:id="rId43"/>
     </p:embeddedFont>
   </p:embeddedFontLst>
   <p:defaultTextStyle>
@@ -1191,23 +1191,23 @@
               <a:buNone/>
             </a:pPr>
             <a:r>
-              <a:rPr lang="en-US" dirty="0" smtClean="0"/>
+              <a:rPr lang="en-US" dirty="0"/>
               <a:t>In 'You eat many mangoes' and 'Who others eat bananas', the common word is 'eat' and the common code word is 'Le'. So, 'Le' means 'eat'. In 'You eat many mangoes' and 'They eat bananas and mangoes', the common code word 'Le' stands for 'eat'. So, the other common code word 'Na' stands for the other common word</a:t>
             </a:r>
             <a:r>
-              <a:rPr lang="en-US" baseline="0" dirty="0" smtClean="0"/>
+              <a:rPr lang="en-US" baseline="0" dirty="0"/>
               <a:t> </a:t>
             </a:r>
             <a:r>
-              <a:rPr lang="en-US" baseline="0" dirty="0" err="1" smtClean="0"/>
+              <a:rPr lang="en-US" baseline="0" dirty="0" err="1"/>
               <a:t>i.e</a:t>
             </a:r>
             <a:r>
-              <a:rPr lang="en-US" baseline="0" dirty="0" smtClean="0"/>
+              <a:rPr lang="en-US" baseline="0" dirty="0"/>
               <a:t> </a:t>
             </a:r>
             <a:r>
-              <a:rPr lang="en-US" dirty="0" smtClean="0"/>
+              <a:rPr lang="en-US" dirty="0"/>
               <a:t>'mangoes'.</a:t>
             </a:r>
             <a:endParaRPr dirty="0"/>
@@ -1418,7 +1418,7 @@
               </a:spcAft>
               <a:buNone/>
             </a:pPr>
-            <a:endParaRPr lang="en-GB" sz="1100" b="0" i="0" u="none" strike="noStrike" cap="none" dirty="0" smtClean="0">
+            <a:endParaRPr lang="en-GB" sz="1100" b="0" i="0" u="none" strike="noStrike" cap="none" dirty="0">
               <a:solidFill>
                 <a:srgbClr val="000000"/>
               </a:solidFill>
@@ -2156,7 +2156,7 @@
               <a:buNone/>
             </a:pPr>
             <a:r>
-              <a:rPr lang="fi-FI" sz="1100" b="0" i="0" u="none" strike="noStrike" cap="none" dirty="0" smtClean="0">
+              <a:rPr lang="fi-FI" sz="1100" b="0" i="0" u="none" strike="noStrike" cap="none" dirty="0">
                 <a:solidFill>
                   <a:srgbClr val="000000"/>
                 </a:solidFill>
@@ -2174,7 +2174,7 @@
               <a:buNone/>
             </a:pPr>
             <a:r>
-              <a:rPr lang="fi-FI" sz="1100" b="0" i="0" u="none" strike="noStrike" cap="none" dirty="0" smtClean="0">
+              <a:rPr lang="fi-FI" sz="1100" b="0" i="0" u="none" strike="noStrike" cap="none" dirty="0">
                 <a:solidFill>
                   <a:srgbClr val="000000"/>
                 </a:solidFill>
@@ -2192,7 +2192,7 @@
               <a:buNone/>
             </a:pPr>
             <a:r>
-              <a:rPr lang="fi-FI" sz="1100" b="0" i="0" u="none" strike="noStrike" cap="none" dirty="0" smtClean="0">
+              <a:rPr lang="fi-FI" sz="1100" b="0" i="0" u="none" strike="noStrike" cap="none" dirty="0">
                 <a:solidFill>
                   <a:srgbClr val="000000"/>
                 </a:solidFill>
@@ -2215,7 +2215,7 @@
               </a:spcAft>
               <a:buNone/>
             </a:pPr>
-            <a:endParaRPr lang="en-GB" sz="1100" b="0" i="0" u="none" strike="noStrike" cap="none" dirty="0" smtClean="0">
+            <a:endParaRPr lang="en-GB" sz="1100" b="0" i="0" u="none" strike="noStrike" cap="none" dirty="0">
               <a:solidFill>
                 <a:srgbClr val="000000"/>
               </a:solidFill>
@@ -2237,7 +2237,7 @@
               <a:buNone/>
             </a:pPr>
             <a:r>
-              <a:rPr lang="en-GB" sz="1100" b="0" i="0" u="none" strike="noStrike" cap="none" dirty="0" smtClean="0">
+              <a:rPr lang="en-GB" sz="1100" b="0" i="0" u="none" strike="noStrike" cap="none" dirty="0">
                 <a:solidFill>
                   <a:srgbClr val="000000"/>
                 </a:solidFill>
@@ -2250,7 +2250,7 @@
               <a:t>In this example, we are creating the two objects of Student class and initializing the value to these objects by invoking the </a:t>
             </a:r>
             <a:r>
-              <a:rPr lang="en-GB" sz="1100" b="0" i="0" u="none" strike="noStrike" cap="none" dirty="0" err="1" smtClean="0">
+              <a:rPr lang="en-GB" sz="1100" b="0" i="0" u="none" strike="noStrike" cap="none" dirty="0" err="1">
                 <a:solidFill>
                   <a:srgbClr val="000000"/>
                 </a:solidFill>
@@ -2263,7 +2263,7 @@
               <a:t>insertRecord</a:t>
             </a:r>
             <a:r>
-              <a:rPr lang="en-GB" sz="1100" b="0" i="0" u="none" strike="noStrike" cap="none" dirty="0" smtClean="0">
+              <a:rPr lang="en-GB" sz="1100" b="0" i="0" u="none" strike="noStrike" cap="none" dirty="0">
                 <a:solidFill>
                   <a:srgbClr val="000000"/>
                 </a:solidFill>
@@ -2276,7 +2276,7 @@
               <a:t> method. Here, we are displaying the state (data) of the objects by invoking the </a:t>
             </a:r>
             <a:r>
-              <a:rPr lang="en-GB" sz="1100" b="0" i="0" u="none" strike="noStrike" cap="none" dirty="0" err="1" smtClean="0">
+              <a:rPr lang="en-GB" sz="1100" b="0" i="0" u="none" strike="noStrike" cap="none" dirty="0" err="1">
                 <a:solidFill>
                   <a:srgbClr val="000000"/>
                 </a:solidFill>
@@ -2289,7 +2289,7 @@
               <a:t>displayInformation</a:t>
             </a:r>
             <a:r>
-              <a:rPr lang="en-GB" sz="1100" b="0" i="0" u="none" strike="noStrike" cap="none" dirty="0" smtClean="0">
+              <a:rPr lang="en-GB" sz="1100" b="0" i="0" u="none" strike="noStrike" cap="none" dirty="0">
                 <a:solidFill>
                   <a:srgbClr val="000000"/>
                 </a:solidFill>
@@ -7977,13 +7977,6 @@
   <p:clrMapOvr>
     <a:masterClrMapping/>
   </p:clrMapOvr>
-  <p:timing>
-    <p:tnLst>
-      <p:par>
-        <p:cTn id="1" dur="indefinite" restart="never" nodeType="tmRoot"/>
-      </p:par>
-    </p:tnLst>
-  </p:timing>
 </p:sld>
 </file>
 
@@ -8096,7 +8089,7 @@
           <a:p>
             <a:pPr lvl="0"/>
             <a:r>
-              <a:rPr lang="en-US" sz="2000" b="1" dirty="0" smtClean="0">
+              <a:rPr lang="en-US" sz="2000" b="1" dirty="0">
                 <a:solidFill>
                   <a:schemeClr val="bg1"/>
                 </a:solidFill>
@@ -8181,7 +8174,7 @@
               <a:buNone/>
             </a:pPr>
             <a:r>
-              <a:rPr lang="en-US" dirty="0" smtClean="0">
+              <a:rPr lang="en-US" dirty="0">
                 <a:solidFill>
                   <a:schemeClr val="tx1"/>
                 </a:solidFill>
@@ -8194,7 +8187,7 @@
               <a:buNone/>
             </a:pPr>
             <a:r>
-              <a:rPr lang="en-US" dirty="0" smtClean="0">
+              <a:rPr lang="en-US" dirty="0">
                 <a:solidFill>
                   <a:schemeClr val="tx1"/>
                 </a:solidFill>
@@ -8207,7 +8200,7 @@
               <a:buNone/>
             </a:pPr>
             <a:r>
-              <a:rPr lang="en-US" dirty="0" smtClean="0">
+              <a:rPr lang="en-US" dirty="0">
                 <a:solidFill>
                   <a:schemeClr val="tx1"/>
                 </a:solidFill>
@@ -8220,7 +8213,7 @@
               <a:buNone/>
             </a:pPr>
             <a:r>
-              <a:rPr lang="en-US" dirty="0" smtClean="0">
+              <a:rPr lang="en-US" dirty="0">
                 <a:solidFill>
                   <a:schemeClr val="tx1"/>
                 </a:solidFill>
@@ -8233,7 +8226,7 @@
               <a:buNone/>
             </a:pPr>
             <a:r>
-              <a:rPr lang="en-US" dirty="0" smtClean="0">
+              <a:rPr lang="en-US" dirty="0">
                 <a:solidFill>
                   <a:schemeClr val="tx1"/>
                 </a:solidFill>
@@ -8246,7 +8239,7 @@
               <a:buNone/>
             </a:pPr>
             <a:r>
-              <a:rPr lang="en-US" dirty="0" smtClean="0">
+              <a:rPr lang="en-US" dirty="0">
                 <a:solidFill>
                   <a:schemeClr val="tx1"/>
                 </a:solidFill>
@@ -8259,7 +8252,7 @@
               <a:buNone/>
             </a:pPr>
             <a:r>
-              <a:rPr lang="en-US" dirty="0" smtClean="0">
+              <a:rPr lang="en-US" dirty="0">
                 <a:solidFill>
                   <a:schemeClr val="tx1"/>
                 </a:solidFill>
@@ -8272,7 +8265,7 @@
               <a:buNone/>
             </a:pPr>
             <a:r>
-              <a:rPr lang="en-US" dirty="0" smtClean="0">
+              <a:rPr lang="en-US" dirty="0">
                 <a:solidFill>
                   <a:schemeClr val="tx1"/>
                 </a:solidFill>
@@ -8285,7 +8278,7 @@
               <a:buNone/>
             </a:pPr>
             <a:r>
-              <a:rPr lang="en-US" dirty="0" smtClean="0">
+              <a:rPr lang="en-US" dirty="0">
                 <a:solidFill>
                   <a:schemeClr val="tx1"/>
                 </a:solidFill>
@@ -8298,7 +8291,7 @@
               <a:buNone/>
             </a:pPr>
             <a:r>
-              <a:rPr lang="en-US" dirty="0" smtClean="0">
+              <a:rPr lang="en-US" dirty="0">
                 <a:solidFill>
                   <a:schemeClr val="tx1"/>
                 </a:solidFill>
@@ -8306,7 +8299,7 @@
               <a:t>C O L </a:t>
             </a:r>
             <a:r>
-              <a:rPr lang="en-US" dirty="0" err="1" smtClean="0">
+              <a:rPr lang="en-US" dirty="0" err="1">
                 <a:solidFill>
                   <a:schemeClr val="tx1"/>
                 </a:solidFill>
@@ -8314,7 +8307,7 @@
               <a:t>L</a:t>
             </a:r>
             <a:r>
-              <a:rPr lang="en-US" dirty="0" smtClean="0">
+              <a:rPr lang="en-US" dirty="0">
                 <a:solidFill>
                   <a:schemeClr val="tx1"/>
                 </a:solidFill>
@@ -8322,7 +8315,7 @@
               <a:t> E </a:t>
             </a:r>
             <a:r>
-              <a:rPr lang="en-US" dirty="0" err="1" smtClean="0">
+              <a:rPr lang="en-US" dirty="0" err="1">
                 <a:solidFill>
                   <a:schemeClr val="tx1"/>
                 </a:solidFill>
@@ -8330,7 +8323,7 @@
               <a:t>E</a:t>
             </a:r>
             <a:r>
-              <a:rPr lang="en-US" dirty="0" smtClean="0">
+              <a:rPr lang="en-US" dirty="0">
                 <a:solidFill>
                   <a:schemeClr val="tx1"/>
                 </a:solidFill>
@@ -8343,7 +8336,7 @@
               <a:buNone/>
             </a:pPr>
             <a:r>
-              <a:rPr lang="en-US" dirty="0" smtClean="0">
+              <a:rPr lang="en-US" dirty="0">
                 <a:solidFill>
                   <a:schemeClr val="tx1"/>
                 </a:solidFill>
@@ -8351,7 +8344,7 @@
               <a:t>C O L </a:t>
             </a:r>
             <a:r>
-              <a:rPr lang="en-US" dirty="0" err="1" smtClean="0">
+              <a:rPr lang="en-US" dirty="0" err="1">
                 <a:solidFill>
                   <a:schemeClr val="tx1"/>
                 </a:solidFill>
@@ -8359,7 +8352,7 @@
               <a:t>L</a:t>
             </a:r>
             <a:r>
-              <a:rPr lang="en-US" dirty="0" smtClean="0">
+              <a:rPr lang="en-US" dirty="0">
                 <a:solidFill>
                   <a:schemeClr val="tx1"/>
                 </a:solidFill>
@@ -8372,7 +8365,7 @@
               <a:buNone/>
             </a:pPr>
             <a:r>
-              <a:rPr lang="en-US" dirty="0" smtClean="0">
+              <a:rPr lang="en-US" dirty="0">
                 <a:solidFill>
                   <a:schemeClr val="tx1"/>
                 </a:solidFill>
@@ -8385,7 +8378,7 @@
               <a:buNone/>
             </a:pPr>
             <a:r>
-              <a:rPr lang="en-US" dirty="0" smtClean="0">
+              <a:rPr lang="en-US" dirty="0">
                 <a:solidFill>
                   <a:schemeClr val="tx1"/>
                 </a:solidFill>
@@ -8397,16 +8390,8 @@
             <a:pPr>
               <a:buNone/>
             </a:pPr>
-            <a:r>
-              <a:rPr lang="en-US" dirty="0" smtClean="0">
-                <a:solidFill>
-                  <a:schemeClr val="tx1"/>
-                </a:solidFill>
-              </a:rPr>
-              <a:t/>
-            </a:r>
             <a:br>
-              <a:rPr lang="en-US" dirty="0" smtClean="0">
+              <a:rPr lang="en-US" dirty="0">
                 <a:solidFill>
                   <a:schemeClr val="tx1"/>
                 </a:solidFill>
@@ -8428,13 +8413,6 @@
     <a:masterClrMapping/>
   </p:clrMapOvr>
   <p:transition/>
-  <p:timing>
-    <p:tnLst>
-      <p:par>
-        <p:cTn id="1" dur="indefinite" restart="never" nodeType="tmRoot"/>
-      </p:par>
-    </p:tnLst>
-  </p:timing>
 </p:sld>
 </file>
 
@@ -8585,7 +8563,7 @@
           <a:p>
             <a:pPr lvl="0"/>
             <a:r>
-              <a:rPr lang="en-US" sz="2000" b="1" dirty="0" smtClean="0">
+              <a:rPr lang="en-US" sz="2000" b="1" dirty="0">
                 <a:solidFill>
                   <a:schemeClr val="bg1"/>
                 </a:solidFill>
@@ -8643,7 +8621,7 @@
               <a:buNone/>
             </a:pPr>
             <a:r>
-              <a:rPr lang="en-US" dirty="0" smtClean="0">
+              <a:rPr lang="en-US" dirty="0">
                 <a:solidFill>
                   <a:schemeClr val="tx1"/>
                 </a:solidFill>
@@ -8662,7 +8640,7 @@
               <a:buNone/>
             </a:pPr>
             <a:r>
-              <a:rPr lang="en-US" dirty="0" smtClean="0">
+              <a:rPr lang="en-US" dirty="0">
                 <a:solidFill>
                   <a:schemeClr val="tx1"/>
                 </a:solidFill>
@@ -8682,7 +8660,7 @@
               <a:buAutoNum type="alphaUcPeriod"/>
             </a:pPr>
             <a:r>
-              <a:rPr lang="en-US" dirty="0" smtClean="0">
+              <a:rPr lang="en-US" dirty="0">
                 <a:solidFill>
                   <a:schemeClr val="tx1"/>
                 </a:solidFill>
@@ -8702,7 +8680,7 @@
               <a:buAutoNum type="alphaUcPeriod"/>
             </a:pPr>
             <a:r>
-              <a:rPr lang="en-US" dirty="0" smtClean="0">
+              <a:rPr lang="en-US" dirty="0">
                 <a:solidFill>
                   <a:schemeClr val="tx1"/>
                 </a:solidFill>
@@ -8722,7 +8700,7 @@
               <a:buAutoNum type="alphaUcPeriod"/>
             </a:pPr>
             <a:r>
-              <a:rPr lang="en-US" dirty="0" smtClean="0">
+              <a:rPr lang="en-US" dirty="0">
                 <a:solidFill>
                   <a:schemeClr val="tx1"/>
                 </a:solidFill>
@@ -8742,18 +8720,13 @@
               <a:buAutoNum type="alphaUcPeriod"/>
             </a:pPr>
             <a:r>
-              <a:rPr lang="en-US" dirty="0" smtClean="0">
+              <a:rPr lang="en-US" dirty="0">
                 <a:solidFill>
                   <a:schemeClr val="tx1"/>
                 </a:solidFill>
               </a:rPr>
               <a:t>50400</a:t>
             </a:r>
-            <a:endParaRPr lang="en-US" dirty="0">
-              <a:solidFill>
-                <a:schemeClr val="tx1"/>
-              </a:solidFill>
-            </a:endParaRPr>
           </a:p>
         </p:txBody>
       </p:sp>
@@ -8780,10 +8753,9 @@
           <a:lstStyle/>
           <a:p>
             <a:r>
-              <a:rPr lang="en-US" sz="1800" b="1" dirty="0" smtClean="0"/>
+              <a:rPr lang="en-US" sz="1800" b="1" dirty="0"/>
               <a:t>Answer: D  </a:t>
             </a:r>
-            <a:endParaRPr lang="en-US" sz="1800" b="1" dirty="0"/>
           </a:p>
         </p:txBody>
       </p:sp>
@@ -9798,7 +9770,7 @@
               <a:buNone/>
             </a:pPr>
             <a:r>
-              <a:rPr lang="en-US" sz="2000" b="1" dirty="0" smtClean="0">
+              <a:rPr lang="en-US" sz="2000" b="1" dirty="0">
                 <a:solidFill>
                   <a:schemeClr val="bg1"/>
                 </a:solidFill>
@@ -9832,7 +9804,7 @@
               <a:buNone/>
             </a:pPr>
             <a:r>
-              <a:rPr lang="en-US" dirty="0" smtClean="0">
+              <a:rPr lang="en-US" dirty="0">
                 <a:solidFill>
                   <a:schemeClr val="tx1"/>
                 </a:solidFill>
@@ -9845,7 +9817,7 @@
               <a:buNone/>
             </a:pPr>
             <a:r>
-              <a:rPr lang="en-US" dirty="0" smtClean="0">
+              <a:rPr lang="en-US" dirty="0">
                 <a:solidFill>
                   <a:schemeClr val="tx1"/>
                 </a:solidFill>
@@ -9858,7 +9830,7 @@
               <a:buNone/>
             </a:pPr>
             <a:r>
-              <a:rPr lang="en-US" dirty="0" smtClean="0">
+              <a:rPr lang="en-US" dirty="0">
                 <a:solidFill>
                   <a:schemeClr val="tx1"/>
                 </a:solidFill>
@@ -9871,7 +9843,7 @@
               <a:buNone/>
             </a:pPr>
             <a:r>
-              <a:rPr lang="en-US" dirty="0" smtClean="0">
+              <a:rPr lang="en-US" dirty="0">
                 <a:solidFill>
                   <a:schemeClr val="tx1"/>
                 </a:solidFill>
@@ -9884,7 +9856,7 @@
               <a:buNone/>
             </a:pPr>
             <a:r>
-              <a:rPr lang="en-US" dirty="0" smtClean="0">
+              <a:rPr lang="en-US" dirty="0">
                 <a:solidFill>
                   <a:schemeClr val="tx1"/>
                 </a:solidFill>
@@ -9897,7 +9869,7 @@
               <a:buNone/>
             </a:pPr>
             <a:r>
-              <a:rPr lang="en-US" dirty="0" smtClean="0">
+              <a:rPr lang="en-US" dirty="0">
                 <a:solidFill>
                   <a:schemeClr val="tx1"/>
                 </a:solidFill>
@@ -9910,7 +9882,7 @@
               <a:buNone/>
             </a:pPr>
             <a:r>
-              <a:rPr lang="en-US" dirty="0" smtClean="0">
+              <a:rPr lang="en-US" dirty="0">
                 <a:solidFill>
                   <a:schemeClr val="tx1"/>
                 </a:solidFill>
@@ -9923,7 +9895,7 @@
               <a:buNone/>
             </a:pPr>
             <a:r>
-              <a:rPr lang="en-US" dirty="0" smtClean="0">
+              <a:rPr lang="en-US" dirty="0">
                 <a:solidFill>
                   <a:schemeClr val="tx1"/>
                 </a:solidFill>
@@ -9936,7 +9908,7 @@
               <a:buNone/>
             </a:pPr>
             <a:r>
-              <a:rPr lang="en-US" dirty="0" smtClean="0">
+              <a:rPr lang="en-US" dirty="0">
                 <a:solidFill>
                   <a:schemeClr val="tx1"/>
                 </a:solidFill>
@@ -9949,7 +9921,7 @@
               <a:buNone/>
             </a:pPr>
             <a:r>
-              <a:rPr lang="en-US" dirty="0" smtClean="0">
+              <a:rPr lang="en-US" dirty="0">
                 <a:solidFill>
                   <a:schemeClr val="tx1"/>
                 </a:solidFill>
@@ -9962,18 +9934,13 @@
               <a:buNone/>
             </a:pPr>
             <a:r>
-              <a:rPr lang="en-US" dirty="0" smtClean="0">
+              <a:rPr lang="en-US" dirty="0">
                 <a:solidFill>
                   <a:schemeClr val="tx1"/>
                 </a:solidFill>
               </a:rPr>
               <a:t> </a:t>
             </a:r>
-            <a:endParaRPr lang="en-US" dirty="0">
-              <a:solidFill>
-                <a:schemeClr val="tx1"/>
-              </a:solidFill>
-            </a:endParaRPr>
           </a:p>
         </p:txBody>
       </p:sp>
@@ -11299,7 +11266,7 @@
           <a:p>
             <a:pPr lvl="0"/>
             <a:r>
-              <a:rPr lang="en-US" sz="2000" b="1" dirty="0" smtClean="0">
+              <a:rPr lang="en-US" sz="2000" b="1" dirty="0">
                 <a:solidFill>
                   <a:schemeClr val="bg1"/>
                 </a:solidFill>
@@ -11354,7 +11321,7 @@
               <a:buNone/>
             </a:pPr>
             <a:r>
-              <a:rPr lang="en-US" dirty="0" smtClean="0">
+              <a:rPr lang="en-US" dirty="0">
                 <a:solidFill>
                   <a:schemeClr val="tx1"/>
                 </a:solidFill>
@@ -11370,7 +11337,7 @@
               <a:buNone/>
             </a:pPr>
             <a:r>
-              <a:rPr lang="en-US" dirty="0" smtClean="0">
+              <a:rPr lang="en-US" dirty="0">
                 <a:solidFill>
                   <a:schemeClr val="tx1"/>
                 </a:solidFill>
@@ -11390,7 +11357,7 @@
               <a:buAutoNum type="alphaUcPeriod"/>
             </a:pPr>
             <a:r>
-              <a:rPr lang="en-US" dirty="0" smtClean="0">
+              <a:rPr lang="en-US" dirty="0">
                 <a:solidFill>
                   <a:schemeClr val="tx1"/>
                 </a:solidFill>
@@ -11410,7 +11377,7 @@
               <a:buAutoNum type="alphaUcPeriod"/>
             </a:pPr>
             <a:r>
-              <a:rPr lang="en-US" dirty="0" smtClean="0">
+              <a:rPr lang="en-US" dirty="0">
                 <a:solidFill>
                   <a:schemeClr val="tx1"/>
                 </a:solidFill>
@@ -11430,7 +11397,7 @@
               <a:buAutoNum type="alphaUcPeriod"/>
             </a:pPr>
             <a:r>
-              <a:rPr lang="en-US" dirty="0" smtClean="0">
+              <a:rPr lang="en-US" dirty="0">
                 <a:solidFill>
                   <a:schemeClr val="tx1"/>
                 </a:solidFill>
@@ -11450,18 +11417,13 @@
               <a:buAutoNum type="alphaUcPeriod"/>
             </a:pPr>
             <a:r>
-              <a:rPr lang="en-US" dirty="0" smtClean="0">
+              <a:rPr lang="en-US" dirty="0">
                 <a:solidFill>
                   <a:schemeClr val="tx1"/>
                 </a:solidFill>
               </a:rPr>
               <a:t> 5040</a:t>
             </a:r>
-            <a:endParaRPr lang="en-US" dirty="0">
-              <a:solidFill>
-                <a:schemeClr val="tx1"/>
-              </a:solidFill>
-            </a:endParaRPr>
           </a:p>
         </p:txBody>
       </p:sp>
@@ -11488,10 +11450,9 @@
           <a:lstStyle/>
           <a:p>
             <a:r>
-              <a:rPr lang="en-US" sz="1800" b="1" dirty="0" smtClean="0"/>
+              <a:rPr lang="en-US" sz="1800" b="1" dirty="0"/>
               <a:t>Answer: A  </a:t>
             </a:r>
-            <a:endParaRPr lang="en-US" sz="1800" b="1" dirty="0"/>
           </a:p>
         </p:txBody>
       </p:sp>
@@ -12502,7 +12463,7 @@
           <a:p>
             <a:pPr fontAlgn="base"/>
             <a:r>
-              <a:rPr lang="en-US" sz="2000" b="1" dirty="0" smtClean="0">
+              <a:rPr lang="en-US" sz="2000" b="1" dirty="0">
                 <a:solidFill>
                   <a:schemeClr val="bg1"/>
                 </a:solidFill>
@@ -12541,7 +12502,7 @@
               </a:buClr>
             </a:pPr>
             <a:r>
-              <a:rPr lang="en-US" dirty="0" smtClean="0">
+              <a:rPr lang="en-US" dirty="0">
                 <a:solidFill>
                   <a:schemeClr val="tx1"/>
                 </a:solidFill>
@@ -12559,7 +12520,7 @@
               </a:buClr>
             </a:pPr>
             <a:r>
-              <a:rPr lang="en-US" dirty="0" smtClean="0">
+              <a:rPr lang="en-US" dirty="0">
                 <a:solidFill>
                   <a:schemeClr val="tx1"/>
                 </a:solidFill>
@@ -12567,14 +12528,14 @@
               <a:t> 3-letter words(with or without meaning) formed by using these letters</a:t>
             </a:r>
             <a:br>
-              <a:rPr lang="en-US" dirty="0" smtClean="0">
+              <a:rPr lang="en-US" dirty="0">
                 <a:solidFill>
                   <a:schemeClr val="tx1"/>
                 </a:solidFill>
               </a:rPr>
             </a:br>
             <a:r>
-              <a:rPr lang="en-US" dirty="0" smtClean="0">
+              <a:rPr lang="en-US" dirty="0">
                 <a:solidFill>
                   <a:schemeClr val="tx1"/>
                 </a:solidFill>
@@ -12582,14 +12543,14 @@
               <a:t>= 10P3</a:t>
             </a:r>
             <a:br>
-              <a:rPr lang="en-US" dirty="0" smtClean="0">
+              <a:rPr lang="en-US" dirty="0">
                 <a:solidFill>
                   <a:schemeClr val="tx1"/>
                 </a:solidFill>
               </a:rPr>
             </a:br>
             <a:r>
-              <a:rPr lang="en-US" dirty="0" smtClean="0">
+              <a:rPr lang="en-US" dirty="0">
                 <a:solidFill>
                   <a:schemeClr val="tx1"/>
                 </a:solidFill>
@@ -12597,25 +12558,20 @@
               <a:t>= 10 x 9 x 8</a:t>
             </a:r>
             <a:br>
-              <a:rPr lang="en-US" dirty="0" smtClean="0">
+              <a:rPr lang="en-US" dirty="0">
                 <a:solidFill>
                   <a:schemeClr val="tx1"/>
                 </a:solidFill>
               </a:rPr>
             </a:br>
             <a:r>
-              <a:rPr lang="en-US" dirty="0" smtClean="0">
+              <a:rPr lang="en-US" dirty="0">
                 <a:solidFill>
                   <a:schemeClr val="tx1"/>
                 </a:solidFill>
               </a:rPr>
               <a:t>= 720</a:t>
             </a:r>
-            <a:endParaRPr lang="en-US" dirty="0">
-              <a:solidFill>
-                <a:schemeClr val="tx1"/>
-              </a:solidFill>
-            </a:endParaRPr>
           </a:p>
         </p:txBody>
       </p:sp>
@@ -13014,7 +12970,7 @@
           <a:p>
             <a:pPr lvl="0"/>
             <a:r>
-              <a:rPr lang="en-US" sz="2000" b="1" dirty="0" smtClean="0">
+              <a:rPr lang="en-US" sz="2000" b="1" dirty="0">
                 <a:solidFill>
                   <a:schemeClr val="bg1"/>
                 </a:solidFill>
@@ -13069,7 +13025,7 @@
               <a:buNone/>
             </a:pPr>
             <a:r>
-              <a:rPr lang="en-US" dirty="0" smtClean="0">
+              <a:rPr lang="en-US" dirty="0">
                 <a:solidFill>
                   <a:schemeClr val="tx1"/>
                 </a:solidFill>
@@ -13085,7 +13041,7 @@
               <a:buNone/>
             </a:pPr>
             <a:r>
-              <a:rPr lang="en-US" dirty="0" smtClean="0">
+              <a:rPr lang="en-US" dirty="0">
                 <a:solidFill>
                   <a:schemeClr val="tx1"/>
                 </a:solidFill>
@@ -13105,7 +13061,7 @@
               <a:buAutoNum type="alphaUcPeriod"/>
             </a:pPr>
             <a:r>
-              <a:rPr lang="en-US" dirty="0" smtClean="0">
+              <a:rPr lang="en-US" dirty="0">
                 <a:solidFill>
                   <a:schemeClr val="tx1"/>
                 </a:solidFill>
@@ -13125,7 +13081,7 @@
               <a:buAutoNum type="alphaUcPeriod"/>
             </a:pPr>
             <a:r>
-              <a:rPr lang="en-US" dirty="0" smtClean="0">
+              <a:rPr lang="en-US" dirty="0">
                 <a:solidFill>
                   <a:schemeClr val="tx1"/>
                 </a:solidFill>
@@ -13145,7 +13101,7 @@
               <a:buAutoNum type="alphaUcPeriod"/>
             </a:pPr>
             <a:r>
-              <a:rPr lang="en-US" dirty="0" smtClean="0">
+              <a:rPr lang="en-US" dirty="0">
                 <a:solidFill>
                   <a:schemeClr val="tx1"/>
                 </a:solidFill>
@@ -13165,7 +13121,7 @@
               <a:buAutoNum type="alphaUcPeriod"/>
             </a:pPr>
             <a:r>
-              <a:rPr lang="en-US" dirty="0" smtClean="0">
+              <a:rPr lang="en-US" dirty="0">
                 <a:solidFill>
                   <a:schemeClr val="tx1"/>
                 </a:solidFill>
@@ -13180,7 +13136,7 @@
               </a:lnSpc>
               <a:buNone/>
             </a:pPr>
-            <a:endParaRPr lang="en-IN" dirty="0" smtClean="0">
+            <a:endParaRPr lang="en-IN" dirty="0">
               <a:solidFill>
                 <a:schemeClr val="tx1"/>
               </a:solidFill>
@@ -13213,10 +13169,9 @@
           <a:lstStyle/>
           <a:p>
             <a:r>
-              <a:rPr lang="en-US" sz="1800" b="1" dirty="0" smtClean="0"/>
+              <a:rPr lang="en-US" sz="1800" b="1" dirty="0"/>
               <a:t>Answer: C  </a:t>
             </a:r>
-            <a:endParaRPr lang="en-US" sz="1800" b="1" dirty="0"/>
           </a:p>
         </p:txBody>
       </p:sp>
@@ -14226,7 +14181,7 @@
           <a:lstStyle/>
           <a:p>
             <a:r>
-              <a:rPr lang="en-GB" sz="2000" b="1" dirty="0" smtClean="0">
+              <a:rPr lang="en-GB" sz="2000" b="1" dirty="0">
                 <a:solidFill>
                   <a:schemeClr val="bg1"/>
                 </a:solidFill>
@@ -14235,13 +14190,6 @@
               </a:rPr>
               <a:t>EXPLANATION: 06 </a:t>
             </a:r>
-            <a:endParaRPr lang="en-GB" sz="2000" b="1" dirty="0">
-              <a:solidFill>
-                <a:schemeClr val="bg1"/>
-              </a:solidFill>
-              <a:latin typeface="Roboto" charset="0"/>
-              <a:ea typeface="Roboto" charset="0"/>
-            </a:endParaRPr>
           </a:p>
         </p:txBody>
       </p:sp>
@@ -14269,7 +14217,7 @@
               <a:buNone/>
             </a:pPr>
             <a:r>
-              <a:rPr lang="en-US" dirty="0" smtClean="0">
+              <a:rPr lang="en-US" dirty="0">
                 <a:solidFill>
                   <a:schemeClr val="tx1"/>
                 </a:solidFill>
@@ -14282,7 +14230,7 @@
               <a:buNone/>
             </a:pPr>
             <a:r>
-              <a:rPr lang="en-US" dirty="0" smtClean="0">
+              <a:rPr lang="en-US" dirty="0">
                 <a:solidFill>
                   <a:schemeClr val="tx1"/>
                 </a:solidFill>
@@ -14290,14 +14238,14 @@
               <a:t>ways to do this</a:t>
             </a:r>
             <a:br>
-              <a:rPr lang="en-US" dirty="0" smtClean="0">
+              <a:rPr lang="en-US" dirty="0">
                 <a:solidFill>
                   <a:schemeClr val="tx1"/>
                 </a:solidFill>
               </a:rPr>
             </a:br>
             <a:r>
-              <a:rPr lang="en-US" dirty="0" smtClean="0">
+              <a:rPr lang="en-US" dirty="0">
                 <a:solidFill>
                   <a:schemeClr val="tx1"/>
                 </a:solidFill>
@@ -14305,14 +14253,14 @@
               <a:t> = 8C5 x 10C6</a:t>
             </a:r>
             <a:br>
-              <a:rPr lang="en-US" dirty="0" smtClean="0">
+              <a:rPr lang="en-US" dirty="0">
                 <a:solidFill>
                   <a:schemeClr val="tx1"/>
                 </a:solidFill>
               </a:rPr>
             </a:br>
             <a:r>
-              <a:rPr lang="en-US" dirty="0" smtClean="0">
+              <a:rPr lang="en-US" dirty="0">
                 <a:solidFill>
                   <a:schemeClr val="tx1"/>
                 </a:solidFill>
@@ -14320,7 +14268,7 @@
               <a:t> = 8C3 x 10C4-</a:t>
             </a:r>
             <a:r>
-              <a:rPr lang="en-US" dirty="0" smtClean="0">
+              <a:rPr lang="en-US" dirty="0">
                 <a:solidFill>
                   <a:schemeClr val="tx1"/>
                 </a:solidFill>
@@ -14329,7 +14277,7 @@
               <a:t></a:t>
             </a:r>
             <a:r>
-              <a:rPr lang="en-US" dirty="0" smtClean="0">
+              <a:rPr lang="en-US" dirty="0">
                 <a:solidFill>
                   <a:schemeClr val="tx1"/>
                 </a:solidFill>
@@ -14337,7 +14285,7 @@
               <a:t> [</a:t>
             </a:r>
             <a:r>
-              <a:rPr lang="en-US" i="1" dirty="0" smtClean="0">
+              <a:rPr lang="en-US" i="1" dirty="0">
                 <a:solidFill>
                   <a:schemeClr val="tx1"/>
                 </a:solidFill>
@@ -14345,7 +14293,7 @@
               <a:t>Applied the formula </a:t>
             </a:r>
             <a:r>
-              <a:rPr lang="en-US" i="1" dirty="0" err="1" smtClean="0">
+              <a:rPr lang="en-US" i="1" dirty="0" err="1">
                 <a:solidFill>
                   <a:schemeClr val="tx1"/>
                 </a:solidFill>
@@ -14353,7 +14301,7 @@
               <a:t>nCr</a:t>
             </a:r>
             <a:r>
-              <a:rPr lang="en-US" i="1" dirty="0" smtClean="0">
+              <a:rPr lang="en-US" i="1" dirty="0">
                 <a:solidFill>
                   <a:schemeClr val="tx1"/>
                 </a:solidFill>
@@ -14361,7 +14309,7 @@
               <a:t> = </a:t>
             </a:r>
             <a:r>
-              <a:rPr lang="en-US" i="1" dirty="0" err="1" smtClean="0">
+              <a:rPr lang="en-US" i="1" dirty="0" err="1">
                 <a:solidFill>
                   <a:schemeClr val="tx1"/>
                 </a:solidFill>
@@ -14369,7 +14317,7 @@
               <a:t>nC</a:t>
             </a:r>
             <a:r>
-              <a:rPr lang="en-US" i="1" dirty="0" smtClean="0">
+              <a:rPr lang="en-US" i="1" dirty="0">
                 <a:solidFill>
                   <a:schemeClr val="tx1"/>
                 </a:solidFill>
@@ -14377,7 +14325,7 @@
               <a:t>(n – r) </a:t>
             </a:r>
             <a:r>
-              <a:rPr lang="en-US" dirty="0" smtClean="0">
+              <a:rPr lang="en-US" dirty="0">
                 <a:solidFill>
                   <a:schemeClr val="tx1"/>
                 </a:solidFill>
@@ -14390,7 +14338,7 @@
               <a:buNone/>
             </a:pPr>
             <a:r>
-              <a:rPr lang="en-US" dirty="0" smtClean="0">
+              <a:rPr lang="en-US" dirty="0">
                 <a:solidFill>
                   <a:schemeClr val="tx1"/>
                 </a:solidFill>
@@ -14403,7 +14351,7 @@
               <a:buNone/>
             </a:pPr>
             <a:r>
-              <a:rPr lang="en-US" dirty="0" smtClean="0">
+              <a:rPr lang="en-US" dirty="0">
                 <a:solidFill>
                   <a:schemeClr val="tx1"/>
                 </a:solidFill>
@@ -14416,18 +14364,13 @@
               <a:buNone/>
             </a:pPr>
             <a:r>
-              <a:rPr lang="en-US" dirty="0" smtClean="0">
+              <a:rPr lang="en-US" dirty="0">
                 <a:solidFill>
                   <a:schemeClr val="tx1"/>
                 </a:solidFill>
               </a:rPr>
               <a:t> </a:t>
             </a:r>
-            <a:endParaRPr lang="en-US" dirty="0">
-              <a:solidFill>
-                <a:schemeClr val="tx1"/>
-              </a:solidFill>
-            </a:endParaRPr>
           </a:p>
         </p:txBody>
       </p:sp>
@@ -14437,13 +14380,6 @@
     <a:masterClrMapping/>
   </p:clrMapOvr>
   <p:transition/>
-  <p:timing>
-    <p:tnLst>
-      <p:par>
-        <p:cTn id="1" dur="indefinite" restart="never" nodeType="tmRoot"/>
-      </p:par>
-    </p:tnLst>
-  </p:timing>
 </p:sld>
 </file>
 
@@ -14594,7 +14530,7 @@
           <a:p>
             <a:pPr lvl="0"/>
             <a:r>
-              <a:rPr lang="en-US" sz="2000" b="1" dirty="0" smtClean="0">
+              <a:rPr lang="en-US" sz="2000" b="1" dirty="0">
                 <a:solidFill>
                   <a:schemeClr val="bg1"/>
                 </a:solidFill>
@@ -14652,7 +14588,7 @@
               <a:buNone/>
             </a:pPr>
             <a:r>
-              <a:rPr lang="en-US" dirty="0" smtClean="0">
+              <a:rPr lang="en-US" dirty="0">
                 <a:solidFill>
                   <a:schemeClr val="tx1"/>
                 </a:solidFill>
@@ -14671,7 +14607,7 @@
               <a:buNone/>
             </a:pPr>
             <a:r>
-              <a:rPr lang="en-US" dirty="0" smtClean="0">
+              <a:rPr lang="en-US" dirty="0">
                 <a:solidFill>
                   <a:schemeClr val="tx1"/>
                 </a:solidFill>
@@ -14691,7 +14627,7 @@
               <a:buAutoNum type="alphaUcPeriod"/>
             </a:pPr>
             <a:r>
-              <a:rPr lang="en-US" dirty="0" smtClean="0">
+              <a:rPr lang="en-US" dirty="0">
                 <a:solidFill>
                   <a:schemeClr val="tx1"/>
                 </a:solidFill>
@@ -14711,7 +14647,7 @@
               <a:buAutoNum type="alphaUcPeriod"/>
             </a:pPr>
             <a:r>
-              <a:rPr lang="en-US" dirty="0" smtClean="0">
+              <a:rPr lang="en-US" dirty="0">
                 <a:solidFill>
                   <a:schemeClr val="tx1"/>
                 </a:solidFill>
@@ -14731,7 +14667,7 @@
               <a:buAutoNum type="alphaUcPeriod"/>
             </a:pPr>
             <a:r>
-              <a:rPr lang="en-US" dirty="0" smtClean="0">
+              <a:rPr lang="en-US" dirty="0">
                 <a:solidFill>
                   <a:schemeClr val="tx1"/>
                 </a:solidFill>
@@ -14751,7 +14687,7 @@
               <a:buAutoNum type="alphaUcPeriod"/>
             </a:pPr>
             <a:r>
-              <a:rPr lang="en-US" dirty="0" smtClean="0">
+              <a:rPr lang="en-US" dirty="0">
                 <a:solidFill>
                   <a:schemeClr val="tx1"/>
                 </a:solidFill>
@@ -14769,16 +14705,8 @@
               </a:buClr>
               <a:buNone/>
             </a:pPr>
-            <a:r>
-              <a:rPr lang="en-US" dirty="0" smtClean="0">
-                <a:solidFill>
-                  <a:schemeClr val="tx1"/>
-                </a:solidFill>
-              </a:rPr>
-              <a:t/>
-            </a:r>
             <a:br>
-              <a:rPr lang="en-US" dirty="0" smtClean="0">
+              <a:rPr lang="en-US" dirty="0">
                 <a:solidFill>
                   <a:schemeClr val="tx1"/>
                 </a:solidFill>
@@ -14817,10 +14745,9 @@
           <a:lstStyle/>
           <a:p>
             <a:r>
-              <a:rPr lang="en-US" sz="1800" b="1" dirty="0" smtClean="0"/>
+              <a:rPr lang="en-US" sz="1800" b="1" dirty="0"/>
               <a:t>Answer: D  </a:t>
             </a:r>
-            <a:endParaRPr lang="en-US" sz="1800" b="1" dirty="0"/>
           </a:p>
         </p:txBody>
       </p:sp>
@@ -15933,7 +15860,7 @@
           <a:lstStyle/>
           <a:p>
             <a:r>
-              <a:rPr lang="en-US" sz="2000" b="1" dirty="0" smtClean="0">
+              <a:rPr lang="en-US" sz="2000" b="1" dirty="0">
                 <a:solidFill>
                   <a:schemeClr val="bg1"/>
                 </a:solidFill>
@@ -15941,7 +15868,7 @@
               <a:t>Explanation:</a:t>
             </a:r>
             <a:r>
-              <a:rPr lang="en-GB" sz="2000" b="1" dirty="0" smtClean="0">
+              <a:rPr lang="en-GB" sz="2000" b="1" dirty="0">
                 <a:solidFill>
                   <a:schemeClr val="bg1"/>
                 </a:solidFill>
@@ -15950,13 +15877,6 @@
               </a:rPr>
               <a:t> 07</a:t>
             </a:r>
-            <a:endParaRPr lang="en-GB" sz="2000" b="1" dirty="0">
-              <a:solidFill>
-                <a:schemeClr val="bg1"/>
-              </a:solidFill>
-              <a:latin typeface="Roboto" charset="0"/>
-              <a:ea typeface="Roboto" charset="0"/>
-            </a:endParaRPr>
           </a:p>
         </p:txBody>
       </p:sp>
@@ -15986,7 +15906,7 @@
               </a:buClr>
             </a:pPr>
             <a:r>
-              <a:rPr lang="en-US" sz="1600" dirty="0" smtClean="0">
+              <a:rPr lang="en-US" sz="1600" dirty="0">
                 <a:solidFill>
                   <a:schemeClr val="tx1"/>
                 </a:solidFill>
@@ -15994,14 +15914,14 @@
               <a:t>The word ‘DETAIL’ has 6 letters which has 3 vowels (EAI) and 3 consonants(DTL)The 3 vowels(EAI) must occupy only the odd positions.</a:t>
             </a:r>
             <a:br>
-              <a:rPr lang="en-US" sz="1600" dirty="0" smtClean="0">
+              <a:rPr lang="en-US" sz="1600" dirty="0">
                 <a:solidFill>
                   <a:schemeClr val="tx1"/>
                 </a:solidFill>
               </a:rPr>
             </a:br>
             <a:r>
-              <a:rPr lang="en-US" sz="1600" dirty="0" smtClean="0">
+              <a:rPr lang="en-US" sz="1600" dirty="0">
                 <a:solidFill>
                   <a:schemeClr val="tx1"/>
                 </a:solidFill>
@@ -16009,14 +15929,14 @@
               <a:t>Let’s mark the positions as (1) (2) (3) (4) (5) (6).</a:t>
             </a:r>
             <a:br>
-              <a:rPr lang="en-US" sz="1600" dirty="0" smtClean="0">
+              <a:rPr lang="en-US" sz="1600" dirty="0">
                 <a:solidFill>
                   <a:schemeClr val="tx1"/>
                 </a:solidFill>
               </a:rPr>
             </a:br>
             <a:r>
-              <a:rPr lang="en-US" sz="1600" dirty="0" smtClean="0">
+              <a:rPr lang="en-US" sz="1600" dirty="0">
                 <a:solidFill>
                   <a:schemeClr val="tx1"/>
                 </a:solidFill>
@@ -16024,14 +15944,14 @@
               <a:t>Now, the 3 vowels should only occupy the 3 positions marked as (1),(3) and (5) in any order.</a:t>
             </a:r>
             <a:br>
-              <a:rPr lang="en-US" sz="1600" dirty="0" smtClean="0">
+              <a:rPr lang="en-US" sz="1600" dirty="0">
                 <a:solidFill>
                   <a:schemeClr val="tx1"/>
                 </a:solidFill>
               </a:rPr>
             </a:br>
             <a:r>
-              <a:rPr lang="en-US" sz="1600" dirty="0" smtClean="0">
+              <a:rPr lang="en-US" sz="1600" dirty="0">
                 <a:solidFill>
                   <a:schemeClr val="tx1"/>
                 </a:solidFill>
@@ -16039,14 +15959,14 @@
               <a:t>Hence, number of ways to arrange these vowels = 3P3</a:t>
             </a:r>
             <a:br>
-              <a:rPr lang="en-US" sz="1600" dirty="0" smtClean="0">
+              <a:rPr lang="en-US" sz="1600" dirty="0">
                 <a:solidFill>
                   <a:schemeClr val="tx1"/>
                 </a:solidFill>
               </a:rPr>
             </a:br>
             <a:r>
-              <a:rPr lang="en-US" sz="1600" dirty="0" smtClean="0">
+              <a:rPr lang="en-US" sz="1600" dirty="0">
                 <a:solidFill>
                   <a:schemeClr val="tx1"/>
                 </a:solidFill>
@@ -16054,14 +15974,14 @@
               <a:t>                               = 3! = 3 x 2 x 1 = 6 Now we have 3 consonants(DTL) which can be arranged in the remaining 3 positions in any order</a:t>
             </a:r>
             <a:br>
-              <a:rPr lang="en-US" sz="1600" dirty="0" smtClean="0">
+              <a:rPr lang="en-US" sz="1600" dirty="0">
                 <a:solidFill>
                   <a:schemeClr val="tx1"/>
                 </a:solidFill>
               </a:rPr>
             </a:br>
             <a:r>
-              <a:rPr lang="en-US" sz="1600" dirty="0" smtClean="0">
+              <a:rPr lang="en-US" sz="1600" dirty="0">
                 <a:solidFill>
                   <a:schemeClr val="tx1"/>
                 </a:solidFill>
@@ -16069,14 +15989,14 @@
               <a:t>Hence, number of ways to arrange these consonants = 3P3</a:t>
             </a:r>
             <a:br>
-              <a:rPr lang="en-US" sz="1600" dirty="0" smtClean="0">
+              <a:rPr lang="en-US" sz="1600" dirty="0">
                 <a:solidFill>
                   <a:schemeClr val="tx1"/>
                 </a:solidFill>
               </a:rPr>
             </a:br>
             <a:r>
-              <a:rPr lang="en-US" sz="1600" dirty="0" smtClean="0">
+              <a:rPr lang="en-US" sz="1600" dirty="0">
                 <a:solidFill>
                   <a:schemeClr val="tx1"/>
                 </a:solidFill>
@@ -16091,7 +16011,7 @@
               </a:buClr>
             </a:pPr>
             <a:r>
-              <a:rPr lang="en-US" sz="1600" dirty="0" smtClean="0">
+              <a:rPr lang="en-US" sz="1600" dirty="0">
                 <a:solidFill>
                   <a:schemeClr val="tx1"/>
                 </a:solidFill>
@@ -16099,14 +16019,14 @@
               <a:t>Total number of ways</a:t>
             </a:r>
             <a:br>
-              <a:rPr lang="en-US" sz="1600" dirty="0" smtClean="0">
+              <a:rPr lang="en-US" sz="1600" dirty="0">
                 <a:solidFill>
                   <a:schemeClr val="tx1"/>
                 </a:solidFill>
               </a:rPr>
             </a:br>
             <a:r>
-              <a:rPr lang="en-US" sz="1600" dirty="0" smtClean="0">
+              <a:rPr lang="en-US" sz="1600" dirty="0">
                 <a:solidFill>
                   <a:schemeClr val="tx1"/>
                 </a:solidFill>
@@ -16114,14 +16034,14 @@
               <a:t>= number of ways to arrange the vowels x number of ways to arrange the consonants</a:t>
             </a:r>
             <a:br>
-              <a:rPr lang="en-US" sz="1600" dirty="0" smtClean="0">
+              <a:rPr lang="en-US" sz="1600" dirty="0">
                 <a:solidFill>
                   <a:schemeClr val="tx1"/>
                 </a:solidFill>
               </a:rPr>
             </a:br>
             <a:r>
-              <a:rPr lang="en-US" sz="1600" dirty="0" smtClean="0">
+              <a:rPr lang="en-US" sz="1600" dirty="0">
                 <a:solidFill>
                   <a:schemeClr val="tx1"/>
                 </a:solidFill>
@@ -16136,18 +16056,13 @@
               </a:buClr>
             </a:pPr>
             <a:r>
-              <a:rPr lang="en-US" sz="1600" dirty="0" smtClean="0">
+              <a:rPr lang="en-US" sz="1600" dirty="0">
                 <a:solidFill>
                   <a:schemeClr val="tx1"/>
                 </a:solidFill>
               </a:rPr>
               <a:t> </a:t>
             </a:r>
-            <a:endParaRPr lang="en-US" sz="1600" dirty="0">
-              <a:solidFill>
-                <a:schemeClr val="tx1"/>
-              </a:solidFill>
-            </a:endParaRPr>
           </a:p>
         </p:txBody>
       </p:sp>
@@ -16649,7 +16564,7 @@
           <a:p>
             <a:pPr lvl="0"/>
             <a:r>
-              <a:rPr lang="en-US" sz="2000" b="1" dirty="0" smtClean="0">
+              <a:rPr lang="en-US" sz="2000" b="1" dirty="0">
                 <a:solidFill>
                   <a:schemeClr val="bg1"/>
                 </a:solidFill>
@@ -16704,7 +16619,7 @@
               <a:buNone/>
             </a:pPr>
             <a:r>
-              <a:rPr lang="en-US" dirty="0" smtClean="0">
+              <a:rPr lang="en-US" dirty="0">
                 <a:solidFill>
                   <a:schemeClr val="tx1"/>
                 </a:solidFill>
@@ -16720,7 +16635,7 @@
               <a:buNone/>
             </a:pPr>
             <a:r>
-              <a:rPr lang="en-US" dirty="0" smtClean="0">
+              <a:rPr lang="en-US" dirty="0">
                 <a:solidFill>
                   <a:schemeClr val="tx1"/>
                 </a:solidFill>
@@ -16736,7 +16651,7 @@
               <a:buNone/>
             </a:pPr>
             <a:r>
-              <a:rPr lang="en-US" dirty="0" smtClean="0">
+              <a:rPr lang="en-US" dirty="0">
                 <a:solidFill>
                   <a:schemeClr val="tx1"/>
                 </a:solidFill>
@@ -16756,7 +16671,7 @@
               <a:buAutoNum type="alphaUcPeriod"/>
             </a:pPr>
             <a:r>
-              <a:rPr lang="en-US" dirty="0" smtClean="0">
+              <a:rPr lang="en-US" dirty="0">
                 <a:solidFill>
                   <a:schemeClr val="tx1"/>
                 </a:solidFill>
@@ -16776,7 +16691,7 @@
               <a:buAutoNum type="alphaUcPeriod"/>
             </a:pPr>
             <a:r>
-              <a:rPr lang="en-US" dirty="0" smtClean="0">
+              <a:rPr lang="en-US" dirty="0">
                 <a:solidFill>
                   <a:schemeClr val="tx1"/>
                 </a:solidFill>
@@ -16796,7 +16711,7 @@
               <a:buAutoNum type="alphaUcPeriod"/>
             </a:pPr>
             <a:r>
-              <a:rPr lang="en-US" dirty="0" smtClean="0">
+              <a:rPr lang="en-US" dirty="0">
                 <a:solidFill>
                   <a:schemeClr val="tx1"/>
                 </a:solidFill>
@@ -16816,7 +16731,7 @@
               <a:buAutoNum type="alphaUcPeriod"/>
             </a:pPr>
             <a:r>
-              <a:rPr lang="en-US" dirty="0" smtClean="0">
+              <a:rPr lang="en-US" dirty="0">
                 <a:solidFill>
                   <a:schemeClr val="tx1"/>
                 </a:solidFill>
@@ -16831,16 +16746,8 @@
               </a:lnSpc>
               <a:buNone/>
             </a:pPr>
-            <a:r>
-              <a:rPr lang="en-US" dirty="0" smtClean="0">
-                <a:solidFill>
-                  <a:schemeClr val="tx1"/>
-                </a:solidFill>
-              </a:rPr>
-              <a:t/>
-            </a:r>
             <a:br>
-              <a:rPr lang="en-US" dirty="0" smtClean="0">
+              <a:rPr lang="en-US" dirty="0">
                 <a:solidFill>
                   <a:schemeClr val="tx1"/>
                 </a:solidFill>
@@ -16879,10 +16786,9 @@
           <a:lstStyle/>
           <a:p>
             <a:r>
-              <a:rPr lang="en-US" sz="1800" b="1" dirty="0" smtClean="0"/>
+              <a:rPr lang="en-US" sz="1800" b="1" dirty="0"/>
               <a:t>Answer: A  </a:t>
             </a:r>
-            <a:endParaRPr lang="en-US" sz="1800" b="1" dirty="0"/>
           </a:p>
         </p:txBody>
       </p:sp>
@@ -18057,7 +17963,7 @@
           <a:p>
             <a:pPr lvl="0"/>
             <a:r>
-              <a:rPr lang="en-US" sz="1600" dirty="0" smtClean="0">
+              <a:rPr lang="en-US" sz="1600" dirty="0">
                 <a:solidFill>
                   <a:schemeClr val="bg1"/>
                 </a:solidFill>
@@ -18103,7 +18009,7 @@
             <a:pPr marL="114300" indent="0">
               <a:buNone/>
             </a:pPr>
-            <a:endParaRPr lang="en-US" altLang="zh-CN" sz="2400" b="1" dirty="0" smtClean="0">
+            <a:endParaRPr lang="en-US" altLang="zh-CN" sz="2400" b="1" dirty="0">
               <a:solidFill>
                 <a:schemeClr val="tx1"/>
               </a:solidFill>
@@ -18113,7 +18019,7 @@
             <a:pPr marL="114300" indent="0">
               <a:buNone/>
             </a:pPr>
-            <a:endParaRPr lang="en-US" altLang="zh-CN" sz="2400" b="1" dirty="0" smtClean="0">
+            <a:endParaRPr lang="en-US" altLang="zh-CN" sz="2400" b="1" dirty="0">
               <a:solidFill>
                 <a:schemeClr val="tx1"/>
               </a:solidFill>
@@ -18123,7 +18029,7 @@
             <a:pPr marL="114300" indent="0">
               <a:buNone/>
             </a:pPr>
-            <a:endParaRPr lang="en-US" altLang="zh-CN" sz="2400" b="1" dirty="0" smtClean="0">
+            <a:endParaRPr lang="en-US" altLang="zh-CN" sz="2400" b="1" dirty="0">
               <a:solidFill>
                 <a:schemeClr val="tx1"/>
               </a:solidFill>
@@ -18133,7 +18039,7 @@
             <a:pPr marL="114300" indent="0">
               <a:buNone/>
             </a:pPr>
-            <a:endParaRPr lang="en-US" altLang="zh-CN" sz="2400" b="1" dirty="0" smtClean="0">
+            <a:endParaRPr lang="en-US" altLang="zh-CN" sz="2400" b="1" dirty="0">
               <a:solidFill>
                 <a:schemeClr val="tx1"/>
               </a:solidFill>
@@ -18144,7 +18050,7 @@
               <a:buNone/>
             </a:pPr>
             <a:r>
-              <a:rPr lang="en-US" altLang="zh-CN" sz="2400" b="1" dirty="0" smtClean="0">
+              <a:rPr lang="en-US" altLang="zh-CN" sz="2400" b="1" dirty="0">
                 <a:solidFill>
                   <a:schemeClr val="tx1"/>
                 </a:solidFill>
@@ -18420,7 +18326,7 @@
               <a:buNone/>
             </a:pPr>
             <a:r>
-              <a:rPr lang="en-US" sz="1800" b="1" dirty="0" smtClean="0">
+              <a:rPr lang="en-US" sz="1800" b="1" dirty="0">
                 <a:solidFill>
                   <a:schemeClr val="bg1"/>
                 </a:solidFill>
@@ -18428,7 +18334,7 @@
               <a:t>  </a:t>
             </a:r>
             <a:r>
-              <a:rPr lang="en-US" sz="1800" b="1" dirty="0" smtClean="0">
+              <a:rPr lang="en-US" sz="1800" b="1" dirty="0">
                 <a:solidFill>
                   <a:schemeClr val="bg1"/>
                 </a:solidFill>
@@ -18438,7 +18344,7 @@
               <a:t>EXPLANATION</a:t>
             </a:r>
             <a:r>
-              <a:rPr lang="en-US" sz="1800" b="1" dirty="0" smtClean="0">
+              <a:rPr lang="en-US" sz="1800" b="1" dirty="0">
                 <a:solidFill>
                   <a:schemeClr val="bg1"/>
                 </a:solidFill>
@@ -18446,7 +18352,7 @@
               <a:t>: 0</a:t>
             </a:r>
             <a:r>
-              <a:rPr lang="en-US" sz="1800" b="1" dirty="0" smtClean="0">
+              <a:rPr lang="en-US" sz="1800" b="1" dirty="0">
                 <a:solidFill>
                   <a:schemeClr val="bg1"/>
                 </a:solidFill>
@@ -18522,7 +18428,7 @@
               <a:buNone/>
             </a:pPr>
             <a:r>
-              <a:rPr lang="en-US" sz="1600" dirty="0" smtClean="0">
+              <a:rPr lang="en-US" sz="1600" dirty="0">
                 <a:solidFill>
                   <a:schemeClr val="tx1"/>
                 </a:solidFill>
@@ -18535,7 +18441,7 @@
               <a:buNone/>
             </a:pPr>
             <a:r>
-              <a:rPr lang="en-US" sz="1600" dirty="0" smtClean="0">
+              <a:rPr lang="en-US" sz="1600" dirty="0">
                 <a:solidFill>
                   <a:schemeClr val="tx1"/>
                 </a:solidFill>
@@ -18543,14 +18449,14 @@
               <a:t>From 2 white balls, 3 black balls and 4 red balls, 3 balls are to be selected such that</a:t>
             </a:r>
             <a:br>
-              <a:rPr lang="en-US" sz="1600" dirty="0" smtClean="0">
+              <a:rPr lang="en-US" sz="1600" dirty="0">
                 <a:solidFill>
                   <a:schemeClr val="tx1"/>
                 </a:solidFill>
               </a:rPr>
             </a:br>
             <a:r>
-              <a:rPr lang="en-US" sz="1600" dirty="0" smtClean="0">
+              <a:rPr lang="en-US" sz="1600" dirty="0">
                 <a:solidFill>
                   <a:schemeClr val="tx1"/>
                 </a:solidFill>
@@ -18558,14 +18464,14 @@
               <a:t>at least one black ball should be there. Hence we have 3 choices as given below We can select 3 black balls ————————–(Option 1)</a:t>
             </a:r>
             <a:br>
-              <a:rPr lang="en-US" sz="1600" dirty="0" smtClean="0">
+              <a:rPr lang="en-US" sz="1600" dirty="0">
                 <a:solidFill>
                   <a:schemeClr val="tx1"/>
                 </a:solidFill>
               </a:rPr>
             </a:br>
             <a:r>
-              <a:rPr lang="en-US" sz="1600" dirty="0" smtClean="0">
+              <a:rPr lang="en-US" sz="1600" dirty="0">
                 <a:solidFill>
                   <a:schemeClr val="tx1"/>
                 </a:solidFill>
@@ -18573,14 +18479,14 @@
               <a:t>We can select 2 black balls and 1 non-black ball——(Option 2)</a:t>
             </a:r>
             <a:br>
-              <a:rPr lang="en-US" sz="1600" dirty="0" smtClean="0">
+              <a:rPr lang="en-US" sz="1600" dirty="0">
                 <a:solidFill>
                   <a:schemeClr val="tx1"/>
                 </a:solidFill>
               </a:rPr>
             </a:br>
             <a:r>
-              <a:rPr lang="en-US" sz="1600" dirty="0" smtClean="0">
+              <a:rPr lang="en-US" sz="1600" dirty="0">
                 <a:solidFill>
                   <a:schemeClr val="tx1"/>
                 </a:solidFill>
@@ -18593,7 +18499,7 @@
               <a:buNone/>
             </a:pPr>
             <a:r>
-              <a:rPr lang="en-US" sz="1600" dirty="0" smtClean="0">
+              <a:rPr lang="en-US" sz="1600" dirty="0">
                 <a:solidFill>
                   <a:schemeClr val="tx1"/>
                 </a:solidFill>
@@ -18606,7 +18512,7 @@
               <a:buNone/>
             </a:pPr>
             <a:r>
-              <a:rPr lang="en-US" sz="1600" dirty="0" smtClean="0">
+              <a:rPr lang="en-US" sz="1600" dirty="0">
                 <a:solidFill>
                   <a:schemeClr val="tx1"/>
                 </a:solidFill>
@@ -18619,7 +18525,7 @@
               <a:buNone/>
             </a:pPr>
             <a:r>
-              <a:rPr lang="en-US" sz="1600" dirty="0" smtClean="0">
+              <a:rPr lang="en-US" sz="1600" dirty="0">
                 <a:solidFill>
                   <a:schemeClr val="tx1"/>
                 </a:solidFill>
@@ -18632,7 +18538,7 @@
               <a:buNone/>
             </a:pPr>
             <a:r>
-              <a:rPr lang="en-US" sz="1600" dirty="0" smtClean="0">
+              <a:rPr lang="en-US" sz="1600" dirty="0">
                 <a:solidFill>
                   <a:schemeClr val="tx1"/>
                 </a:solidFill>
@@ -18640,14 +18546,14 @@
               <a:t>Total number of ways</a:t>
             </a:r>
             <a:br>
-              <a:rPr lang="en-US" sz="1600" dirty="0" smtClean="0">
+              <a:rPr lang="en-US" sz="1600" dirty="0">
                 <a:solidFill>
                   <a:schemeClr val="tx1"/>
                 </a:solidFill>
               </a:rPr>
             </a:br>
             <a:r>
-              <a:rPr lang="en-US" sz="1600" dirty="0" smtClean="0">
+              <a:rPr lang="en-US" sz="1600" dirty="0">
                 <a:solidFill>
                   <a:schemeClr val="tx1"/>
                 </a:solidFill>
@@ -18655,14 +18561,14 @@
               <a:t>                    = 3C3 + (3C2 x 6C1) + (3C1 x 6C2)</a:t>
             </a:r>
             <a:br>
-              <a:rPr lang="en-US" sz="1600" dirty="0" smtClean="0">
+              <a:rPr lang="en-US" sz="1600" dirty="0">
                 <a:solidFill>
                   <a:schemeClr val="tx1"/>
                 </a:solidFill>
               </a:rPr>
             </a:br>
             <a:r>
-              <a:rPr lang="en-US" sz="1600" dirty="0" smtClean="0">
+              <a:rPr lang="en-US" sz="1600" dirty="0">
                 <a:solidFill>
                   <a:schemeClr val="tx1"/>
                 </a:solidFill>
@@ -18670,7 +18576,7 @@
               <a:t>                         = 1 + (3C1 x 6C1) + (3C1 x 6C2) [</a:t>
             </a:r>
             <a:r>
-              <a:rPr lang="en-US" sz="1600" i="1" dirty="0" smtClean="0">
+              <a:rPr lang="en-US" sz="1600" i="1" dirty="0">
                 <a:solidFill>
                   <a:schemeClr val="tx1"/>
                 </a:solidFill>
@@ -18678,7 +18584,7 @@
               <a:t>Applied the formula </a:t>
             </a:r>
             <a:r>
-              <a:rPr lang="en-US" sz="1600" i="1" dirty="0" err="1" smtClean="0">
+              <a:rPr lang="en-US" sz="1600" i="1" dirty="0" err="1">
                 <a:solidFill>
                   <a:schemeClr val="tx1"/>
                 </a:solidFill>
@@ -18686,7 +18592,7 @@
               <a:t>nCr</a:t>
             </a:r>
             <a:r>
-              <a:rPr lang="en-US" sz="1600" i="1" dirty="0" smtClean="0">
+              <a:rPr lang="en-US" sz="1600" i="1" dirty="0">
                 <a:solidFill>
                   <a:schemeClr val="tx1"/>
                 </a:solidFill>
@@ -18694,7 +18600,7 @@
               <a:t> = </a:t>
             </a:r>
             <a:r>
-              <a:rPr lang="en-US" sz="1600" i="1" dirty="0" err="1" smtClean="0">
+              <a:rPr lang="en-US" sz="1600" i="1" dirty="0" err="1">
                 <a:solidFill>
                   <a:schemeClr val="tx1"/>
                 </a:solidFill>
@@ -18702,7 +18608,7 @@
               <a:t>nC</a:t>
             </a:r>
             <a:r>
-              <a:rPr lang="en-US" sz="1600" i="1" dirty="0" smtClean="0">
+              <a:rPr lang="en-US" sz="1600" i="1" dirty="0">
                 <a:solidFill>
                   <a:schemeClr val="tx1"/>
                 </a:solidFill>
@@ -18710,7 +18616,7 @@
               <a:t>(n – r) </a:t>
             </a:r>
             <a:r>
-              <a:rPr lang="en-US" sz="1600" dirty="0" smtClean="0">
+              <a:rPr lang="en-US" sz="1600" dirty="0">
                 <a:solidFill>
                   <a:schemeClr val="tx1"/>
                 </a:solidFill>
@@ -18723,7 +18629,7 @@
               <a:buNone/>
             </a:pPr>
             <a:r>
-              <a:rPr lang="en-US" sz="1600" dirty="0" smtClean="0">
+              <a:rPr lang="en-US" sz="1600" dirty="0">
                 <a:solidFill>
                   <a:schemeClr val="tx1"/>
                 </a:solidFill>
@@ -18736,18 +18642,13 @@
               <a:buNone/>
             </a:pPr>
             <a:r>
-              <a:rPr lang="en-US" sz="1600" dirty="0" smtClean="0">
+              <a:rPr lang="en-US" sz="1600" dirty="0">
                 <a:solidFill>
                   <a:schemeClr val="tx1"/>
                 </a:solidFill>
               </a:rPr>
               <a:t>                                           = 1 + 18 + 45 = 64</a:t>
             </a:r>
-            <a:endParaRPr lang="en-US" sz="1600" dirty="0">
-              <a:solidFill>
-                <a:schemeClr val="tx1"/>
-              </a:solidFill>
-            </a:endParaRPr>
           </a:p>
         </p:txBody>
       </p:sp>
@@ -18757,13 +18658,6 @@
     <a:masterClrMapping/>
   </p:clrMapOvr>
   <p:transition/>
-  <p:timing>
-    <p:tnLst>
-      <p:par>
-        <p:cTn id="1" dur="indefinite" restart="never" nodeType="tmRoot"/>
-      </p:par>
-    </p:tnLst>
-  </p:timing>
 </p:sld>
 </file>
 
@@ -18914,7 +18808,7 @@
           <a:p>
             <a:pPr lvl="0"/>
             <a:r>
-              <a:rPr lang="en-US" sz="2000" b="1" dirty="0" smtClean="0">
+              <a:rPr lang="en-US" sz="2000" b="1" dirty="0">
                 <a:solidFill>
                   <a:schemeClr val="bg1"/>
                 </a:solidFill>
@@ -18972,7 +18866,7 @@
               <a:buNone/>
             </a:pPr>
             <a:r>
-              <a:rPr lang="en-US" dirty="0" smtClean="0">
+              <a:rPr lang="en-US" dirty="0">
                 <a:solidFill>
                   <a:schemeClr val="tx1"/>
                 </a:solidFill>
@@ -18991,7 +18885,7 @@
               <a:buNone/>
             </a:pPr>
             <a:r>
-              <a:rPr lang="en-US" dirty="0" smtClean="0">
+              <a:rPr lang="en-US" dirty="0">
                 <a:solidFill>
                   <a:schemeClr val="tx1"/>
                 </a:solidFill>
@@ -19011,7 +18905,7 @@
               <a:buAutoNum type="alphaUcPeriod"/>
             </a:pPr>
             <a:r>
-              <a:rPr lang="en-US" dirty="0" smtClean="0">
+              <a:rPr lang="en-US" dirty="0">
                 <a:solidFill>
                   <a:schemeClr val="tx1"/>
                 </a:solidFill>
@@ -19031,7 +18925,7 @@
               <a:buAutoNum type="alphaUcPeriod"/>
             </a:pPr>
             <a:r>
-              <a:rPr lang="en-US" dirty="0" smtClean="0">
+              <a:rPr lang="en-US" dirty="0">
                 <a:solidFill>
                   <a:schemeClr val="tx1"/>
                 </a:solidFill>
@@ -19051,7 +18945,7 @@
               <a:buAutoNum type="alphaUcPeriod"/>
             </a:pPr>
             <a:r>
-              <a:rPr lang="en-US" dirty="0" smtClean="0">
+              <a:rPr lang="en-US" dirty="0">
                 <a:solidFill>
                   <a:schemeClr val="tx1"/>
                 </a:solidFill>
@@ -19071,18 +18965,13 @@
               <a:buAutoNum type="alphaUcPeriod"/>
             </a:pPr>
             <a:r>
-              <a:rPr lang="en-US" dirty="0" smtClean="0">
+              <a:rPr lang="en-US" dirty="0">
                 <a:solidFill>
                   <a:schemeClr val="tx1"/>
                 </a:solidFill>
               </a:rPr>
               <a:t>24</a:t>
             </a:r>
-            <a:endParaRPr lang="en-US" dirty="0">
-              <a:solidFill>
-                <a:schemeClr val="tx1"/>
-              </a:solidFill>
-            </a:endParaRPr>
           </a:p>
         </p:txBody>
       </p:sp>
@@ -19109,10 +18998,9 @@
           <a:lstStyle/>
           <a:p>
             <a:r>
-              <a:rPr lang="en-US" sz="1800" b="1" dirty="0" smtClean="0"/>
+              <a:rPr lang="en-US" sz="1800" b="1" dirty="0"/>
               <a:t>Answer: A  </a:t>
             </a:r>
-            <a:endParaRPr lang="en-US" sz="1800" b="1" dirty="0"/>
           </a:p>
         </p:txBody>
       </p:sp>
@@ -20122,7 +20010,7 @@
           <a:lstStyle/>
           <a:p>
             <a:r>
-              <a:rPr lang="en-GB" sz="1800" b="1" dirty="0" smtClean="0">
+              <a:rPr lang="en-GB" sz="1800" b="1" dirty="0">
                 <a:solidFill>
                   <a:schemeClr val="bg1"/>
                 </a:solidFill>
@@ -20131,13 +20019,6 @@
               </a:rPr>
               <a:t>EXPLANATION: 09</a:t>
             </a:r>
-            <a:endParaRPr lang="en-GB" sz="1800" b="1" dirty="0">
-              <a:solidFill>
-                <a:schemeClr val="bg1"/>
-              </a:solidFill>
-              <a:latin typeface="Roboto" charset="0"/>
-              <a:ea typeface="Roboto" charset="0"/>
-            </a:endParaRPr>
           </a:p>
         </p:txBody>
       </p:sp>
@@ -20165,7 +20046,7 @@
               <a:buNone/>
             </a:pPr>
             <a:r>
-              <a:rPr lang="en-US" dirty="0" smtClean="0">
+              <a:rPr lang="en-US" dirty="0">
                 <a:solidFill>
                   <a:schemeClr val="tx1"/>
                 </a:solidFill>
@@ -20178,7 +20059,7 @@
               <a:buNone/>
             </a:pPr>
             <a:r>
-              <a:rPr lang="en-US" dirty="0" smtClean="0">
+              <a:rPr lang="en-US" dirty="0">
                 <a:solidFill>
                   <a:schemeClr val="tx1"/>
                 </a:solidFill>
@@ -20191,7 +20072,7 @@
               <a:buNone/>
             </a:pPr>
             <a:r>
-              <a:rPr lang="en-US" dirty="0" smtClean="0">
+              <a:rPr lang="en-US" dirty="0">
                 <a:solidFill>
                   <a:schemeClr val="tx1"/>
                 </a:solidFill>
@@ -20204,7 +20085,7 @@
               <a:buNone/>
             </a:pPr>
             <a:r>
-              <a:rPr lang="en-US" dirty="0" smtClean="0">
+              <a:rPr lang="en-US" dirty="0">
                 <a:solidFill>
                   <a:schemeClr val="tx1"/>
                 </a:solidFill>
@@ -20217,18 +20098,13 @@
               <a:buNone/>
             </a:pPr>
             <a:r>
-              <a:rPr lang="en-US" dirty="0" smtClean="0">
+              <a:rPr lang="en-US" dirty="0">
                 <a:solidFill>
                   <a:schemeClr val="tx1"/>
                 </a:solidFill>
               </a:rPr>
               <a:t> </a:t>
             </a:r>
-            <a:endParaRPr lang="en-US" dirty="0">
-              <a:solidFill>
-                <a:schemeClr val="tx1"/>
-              </a:solidFill>
-            </a:endParaRPr>
           </a:p>
         </p:txBody>
       </p:sp>
@@ -20726,7 +20602,7 @@
           <a:p>
             <a:pPr lvl="0"/>
             <a:r>
-              <a:rPr lang="en-US" sz="2000" b="1" dirty="0" smtClean="0">
+              <a:rPr lang="en-US" sz="2000" b="1" dirty="0">
                 <a:solidFill>
                   <a:schemeClr val="bg1"/>
                 </a:solidFill>
@@ -20781,7 +20657,7 @@
               <a:buNone/>
             </a:pPr>
             <a:r>
-              <a:rPr lang="en-US" dirty="0" smtClean="0">
+              <a:rPr lang="en-US" dirty="0">
                 <a:solidFill>
                   <a:schemeClr val="tx1"/>
                 </a:solidFill>
@@ -20797,7 +20673,7 @@
               <a:buNone/>
             </a:pPr>
             <a:r>
-              <a:rPr lang="en-US" dirty="0" smtClean="0">
+              <a:rPr lang="en-US" dirty="0">
                 <a:solidFill>
                   <a:schemeClr val="tx1"/>
                 </a:solidFill>
@@ -20817,7 +20693,7 @@
               <a:buAutoNum type="alphaUcPeriod"/>
             </a:pPr>
             <a:r>
-              <a:rPr lang="en-US" dirty="0" smtClean="0">
+              <a:rPr lang="en-US" dirty="0">
                 <a:solidFill>
                   <a:schemeClr val="tx1"/>
                 </a:solidFill>
@@ -20837,7 +20713,7 @@
               <a:buAutoNum type="alphaUcPeriod"/>
             </a:pPr>
             <a:r>
-              <a:rPr lang="en-US" dirty="0" smtClean="0">
+              <a:rPr lang="en-US" dirty="0">
                 <a:solidFill>
                   <a:schemeClr val="tx1"/>
                 </a:solidFill>
@@ -20857,7 +20733,7 @@
               <a:buAutoNum type="alphaUcPeriod"/>
             </a:pPr>
             <a:r>
-              <a:rPr lang="en-US" dirty="0" smtClean="0">
+              <a:rPr lang="en-US" dirty="0">
                 <a:solidFill>
                   <a:schemeClr val="tx1"/>
                 </a:solidFill>
@@ -20877,7 +20753,7 @@
               <a:buAutoNum type="alphaUcPeriod"/>
             </a:pPr>
             <a:r>
-              <a:rPr lang="en-US" dirty="0" smtClean="0">
+              <a:rPr lang="en-US" dirty="0">
                 <a:solidFill>
                   <a:schemeClr val="tx1"/>
                 </a:solidFill>
@@ -20892,16 +20768,8 @@
               </a:lnSpc>
               <a:buNone/>
             </a:pPr>
-            <a:r>
-              <a:rPr lang="en-US" dirty="0" smtClean="0">
-                <a:solidFill>
-                  <a:schemeClr val="tx1"/>
-                </a:solidFill>
-              </a:rPr>
-              <a:t/>
-            </a:r>
             <a:br>
-              <a:rPr lang="en-US" dirty="0" smtClean="0">
+              <a:rPr lang="en-US" dirty="0">
                 <a:solidFill>
                   <a:schemeClr val="tx1"/>
                 </a:solidFill>
@@ -20939,10 +20807,9 @@
           <a:lstStyle/>
           <a:p>
             <a:r>
-              <a:rPr lang="en-US" sz="1800" b="1" dirty="0" smtClean="0"/>
+              <a:rPr lang="en-US" sz="1800" b="1" dirty="0"/>
               <a:t>Answer: D  </a:t>
             </a:r>
-            <a:endParaRPr lang="en-US" sz="1800" b="1" dirty="0"/>
           </a:p>
         </p:txBody>
       </p:sp>
@@ -22018,7 +21885,7 @@
           <a:p>
             <a:pPr lvl="0"/>
             <a:r>
-              <a:rPr lang="en-US" sz="1800" b="1" dirty="0" smtClean="0">
+              <a:rPr lang="en-US" sz="1800" b="1" dirty="0">
                 <a:solidFill>
                   <a:schemeClr val="bg1"/>
                 </a:solidFill>
@@ -22095,7 +21962,7 @@
               <a:buNone/>
             </a:pPr>
             <a:r>
-              <a:rPr lang="en-US" dirty="0" smtClean="0">
+              <a:rPr lang="en-US" dirty="0">
                 <a:solidFill>
                   <a:schemeClr val="tx1"/>
                 </a:solidFill>
@@ -22111,7 +21978,7 @@
               <a:buNone/>
             </a:pPr>
             <a:r>
-              <a:rPr lang="en-US" dirty="0" smtClean="0">
+              <a:rPr lang="en-US" dirty="0">
                 <a:solidFill>
                   <a:schemeClr val="tx1"/>
                 </a:solidFill>
@@ -22127,7 +21994,7 @@
               <a:buNone/>
             </a:pPr>
             <a:r>
-              <a:rPr lang="en-US" dirty="0" smtClean="0">
+              <a:rPr lang="en-US" dirty="0">
                 <a:solidFill>
                   <a:schemeClr val="tx1"/>
                 </a:solidFill>
@@ -22143,7 +22010,7 @@
               <a:buNone/>
             </a:pPr>
             <a:r>
-              <a:rPr lang="en-US" dirty="0" smtClean="0">
+              <a:rPr lang="en-US" dirty="0">
                 <a:solidFill>
                   <a:schemeClr val="tx1"/>
                 </a:solidFill>
@@ -22159,7 +22026,7 @@
               <a:buNone/>
             </a:pPr>
             <a:r>
-              <a:rPr lang="en-US" dirty="0" smtClean="0">
+              <a:rPr lang="en-US" dirty="0">
                 <a:solidFill>
                   <a:schemeClr val="tx1"/>
                 </a:solidFill>
@@ -22175,18 +22042,13 @@
               <a:buNone/>
             </a:pPr>
             <a:r>
-              <a:rPr lang="en-US" dirty="0" smtClean="0">
+              <a:rPr lang="en-US" dirty="0">
                 <a:solidFill>
                   <a:schemeClr val="tx1"/>
                 </a:solidFill>
               </a:rPr>
               <a:t> </a:t>
             </a:r>
-            <a:endParaRPr lang="en-US" dirty="0">
-              <a:solidFill>
-                <a:schemeClr val="tx1"/>
-              </a:solidFill>
-            </a:endParaRPr>
           </a:p>
         </p:txBody>
       </p:sp>
@@ -22997,7 +22859,7 @@
           <a:p>
             <a:pPr lvl="0"/>
             <a:r>
-              <a:rPr lang="en-US" sz="2000" b="1" dirty="0" smtClean="0">
+              <a:rPr lang="en-US" sz="2000" b="1" dirty="0">
                 <a:solidFill>
                   <a:schemeClr val="bg1"/>
                 </a:solidFill>
@@ -23052,7 +22914,7 @@
               <a:buNone/>
             </a:pPr>
             <a:r>
-              <a:rPr lang="en-US" dirty="0" smtClean="0">
+              <a:rPr lang="en-US" dirty="0">
                 <a:solidFill>
                   <a:schemeClr val="tx1"/>
                 </a:solidFill>
@@ -23072,7 +22934,7 @@
               <a:buAutoNum type="alphaUcPeriod"/>
             </a:pPr>
             <a:r>
-              <a:rPr lang="en-US" dirty="0" smtClean="0">
+              <a:rPr lang="en-US" dirty="0">
                 <a:solidFill>
                   <a:schemeClr val="tx1"/>
                 </a:solidFill>
@@ -23092,7 +22954,7 @@
               <a:buAutoNum type="alphaUcPeriod"/>
             </a:pPr>
             <a:r>
-              <a:rPr lang="en-US" dirty="0" smtClean="0">
+              <a:rPr lang="en-US" dirty="0">
                 <a:solidFill>
                   <a:schemeClr val="tx1"/>
                 </a:solidFill>
@@ -23112,7 +22974,7 @@
               <a:buAutoNum type="alphaUcPeriod"/>
             </a:pPr>
             <a:r>
-              <a:rPr lang="en-US" dirty="0" smtClean="0">
+              <a:rPr lang="en-US" dirty="0">
                 <a:solidFill>
                   <a:schemeClr val="tx1"/>
                 </a:solidFill>
@@ -23132,7 +22994,7 @@
               <a:buAutoNum type="alphaUcPeriod"/>
             </a:pPr>
             <a:r>
-              <a:rPr lang="en-US" dirty="0" smtClean="0">
+              <a:rPr lang="en-US" dirty="0">
                 <a:solidFill>
                   <a:schemeClr val="tx1"/>
                 </a:solidFill>
@@ -23140,7 +23002,7 @@
               <a:t>10</a:t>
             </a:r>
             <a:br>
-              <a:rPr lang="en-US" dirty="0" smtClean="0">
+              <a:rPr lang="en-US" dirty="0">
                 <a:solidFill>
                   <a:schemeClr val="tx1"/>
                 </a:solidFill>
@@ -23179,10 +23041,9 @@
           <a:lstStyle/>
           <a:p>
             <a:r>
-              <a:rPr lang="en-US" sz="1800" b="1" dirty="0" smtClean="0"/>
+              <a:rPr lang="en-US" sz="1800" b="1" dirty="0"/>
               <a:t>Answer: B  </a:t>
             </a:r>
-            <a:endParaRPr lang="en-US" sz="1800" b="1" dirty="0"/>
           </a:p>
         </p:txBody>
       </p:sp>
@@ -24089,7 +23950,7 @@
           <a:lstStyle/>
           <a:p>
             <a:r>
-              <a:rPr lang="en-GB" sz="1800" b="1" dirty="0" smtClean="0">
+              <a:rPr lang="en-GB" sz="1800" b="1" dirty="0">
                 <a:solidFill>
                   <a:schemeClr val="bg1"/>
                 </a:solidFill>
@@ -24098,13 +23959,6 @@
               </a:rPr>
               <a:t>Explanation: 11  </a:t>
             </a:r>
-            <a:endParaRPr lang="en-GB" sz="1800" b="1" dirty="0">
-              <a:solidFill>
-                <a:schemeClr val="bg1"/>
-              </a:solidFill>
-              <a:latin typeface="Roboto" charset="0"/>
-              <a:ea typeface="Roboto" charset="0"/>
-            </a:endParaRPr>
           </a:p>
         </p:txBody>
       </p:sp>
@@ -24135,7 +23989,7 @@
               <a:buNone/>
             </a:pPr>
             <a:r>
-              <a:rPr lang="en-US" sz="2000" dirty="0" smtClean="0">
+              <a:rPr lang="en-US" sz="2000" dirty="0">
                 <a:solidFill>
                   <a:schemeClr val="tx1"/>
                 </a:solidFill>
@@ -24151,7 +24005,7 @@
               <a:buNone/>
             </a:pPr>
             <a:r>
-              <a:rPr lang="en-US" sz="2000" dirty="0" smtClean="0">
+              <a:rPr lang="en-US" sz="2000" dirty="0">
                 <a:solidFill>
                   <a:schemeClr val="tx1"/>
                 </a:solidFill>
@@ -24167,7 +24021,7 @@
               <a:buNone/>
             </a:pPr>
             <a:r>
-              <a:rPr lang="en-US" sz="2000" dirty="0" smtClean="0">
+              <a:rPr lang="en-US" sz="2000" dirty="0">
                 <a:solidFill>
                   <a:schemeClr val="tx1"/>
                 </a:solidFill>
@@ -24182,16 +24036,8 @@
               </a:lnSpc>
               <a:buNone/>
             </a:pPr>
-            <a:r>
-              <a:rPr lang="en-US" sz="2000" dirty="0" smtClean="0">
-                <a:solidFill>
-                  <a:schemeClr val="tx1"/>
-                </a:solidFill>
-              </a:rPr>
-              <a:t/>
-            </a:r>
             <a:br>
-              <a:rPr lang="en-US" sz="2000" dirty="0" smtClean="0">
+              <a:rPr lang="en-US" sz="2000" dirty="0">
                 <a:solidFill>
                   <a:schemeClr val="tx1"/>
                 </a:solidFill>
@@ -24807,7 +24653,7 @@
           <a:p>
             <a:pPr lvl="0"/>
             <a:r>
-              <a:rPr lang="en-US" sz="2000" b="1" dirty="0" smtClean="0">
+              <a:rPr lang="en-US" sz="2000" b="1" dirty="0">
                 <a:solidFill>
                   <a:schemeClr val="bg1"/>
                 </a:solidFill>
@@ -24862,7 +24708,7 @@
               <a:buNone/>
             </a:pPr>
             <a:r>
-              <a:rPr lang="en-US" dirty="0" smtClean="0">
+              <a:rPr lang="en-US" dirty="0">
                 <a:solidFill>
                   <a:schemeClr val="tx1"/>
                 </a:solidFill>
@@ -24870,14 +24716,14 @@
               <a:t>In how many ways the 18 English and 12 Hindi books can be kept</a:t>
             </a:r>
             <a:br>
-              <a:rPr lang="en-US" dirty="0" smtClean="0">
+              <a:rPr lang="en-US" dirty="0">
                 <a:solidFill>
                   <a:schemeClr val="tx1"/>
                 </a:solidFill>
               </a:rPr>
             </a:br>
             <a:r>
-              <a:rPr lang="en-US" dirty="0" smtClean="0">
+              <a:rPr lang="en-US" dirty="0">
                 <a:solidFill>
                   <a:schemeClr val="tx1"/>
                 </a:solidFill>
@@ -24897,7 +24743,7 @@
               <a:buAutoNum type="alphaUcPeriod"/>
             </a:pPr>
             <a:r>
-              <a:rPr lang="en-US" altLang="zh-CN" dirty="0" smtClean="0">
+              <a:rPr lang="en-US" altLang="zh-CN" dirty="0">
                 <a:solidFill>
                   <a:schemeClr val="tx1"/>
                 </a:solidFill>
@@ -24918,7 +24764,7 @@
               <a:buAutoNum type="alphaUcPeriod"/>
             </a:pPr>
             <a:r>
-              <a:rPr lang="en-US" altLang="zh-CN" dirty="0" smtClean="0">
+              <a:rPr lang="en-US" altLang="zh-CN" dirty="0">
                 <a:solidFill>
                   <a:schemeClr val="tx1"/>
                 </a:solidFill>
@@ -24939,7 +24785,7 @@
               <a:buAutoNum type="alphaUcPeriod"/>
             </a:pPr>
             <a:r>
-              <a:rPr lang="en-US" altLang="zh-CN" dirty="0" smtClean="0">
+              <a:rPr lang="en-US" altLang="zh-CN" dirty="0">
                 <a:solidFill>
                   <a:schemeClr val="tx1"/>
                 </a:solidFill>
@@ -24960,7 +24806,7 @@
               <a:buAutoNum type="alphaUcPeriod"/>
             </a:pPr>
             <a:r>
-              <a:rPr lang="en-US" altLang="zh-CN" dirty="0" smtClean="0">
+              <a:rPr lang="en-US" altLang="zh-CN" dirty="0">
                 <a:solidFill>
                   <a:schemeClr val="tx1"/>
                 </a:solidFill>
@@ -25000,10 +24846,9 @@
           <a:lstStyle/>
           <a:p>
             <a:r>
-              <a:rPr lang="en-US" sz="1800" b="1" dirty="0" smtClean="0"/>
+              <a:rPr lang="en-US" sz="1800" b="1" dirty="0"/>
               <a:t>Answer: B  </a:t>
             </a:r>
-            <a:endParaRPr lang="en-US" sz="1800" b="1" dirty="0"/>
           </a:p>
         </p:txBody>
       </p:sp>
@@ -25910,7 +25755,7 @@
           <a:lstStyle/>
           <a:p>
             <a:r>
-              <a:rPr lang="en-IN" sz="1800" b="1" dirty="0" smtClean="0">
+              <a:rPr lang="en-IN" sz="1800" b="1" dirty="0">
                 <a:solidFill>
                   <a:schemeClr val="bg1"/>
                 </a:solidFill>
@@ -25956,7 +25801,7 @@
               <a:buNone/>
             </a:pPr>
             <a:r>
-              <a:rPr lang="en-US" sz="1600" dirty="0" smtClean="0">
+              <a:rPr lang="en-US" sz="1600" dirty="0">
                 <a:solidFill>
                   <a:schemeClr val="tx1"/>
                 </a:solidFill>
@@ -25972,7 +25817,7 @@
               <a:buNone/>
             </a:pPr>
             <a:r>
-              <a:rPr lang="en-US" sz="1600" dirty="0" smtClean="0">
+              <a:rPr lang="en-US" sz="1600" dirty="0">
                 <a:solidFill>
                   <a:schemeClr val="tx1"/>
                 </a:solidFill>
@@ -25987,7 +25832,7 @@
               </a:lnSpc>
               <a:buNone/>
             </a:pPr>
-            <a:endParaRPr lang="en-US" sz="1600" dirty="0" smtClean="0">
+            <a:endParaRPr lang="en-US" sz="1600" dirty="0">
               <a:solidFill>
                 <a:schemeClr val="tx1"/>
               </a:solidFill>
@@ -26001,7 +25846,7 @@
               <a:buNone/>
             </a:pPr>
             <a:r>
-              <a:rPr lang="en-US" sz="1600" dirty="0" smtClean="0">
+              <a:rPr lang="en-US" sz="1600" dirty="0">
                 <a:solidFill>
                   <a:schemeClr val="tx1"/>
                 </a:solidFill>
@@ -26016,7 +25861,7 @@
               </a:lnSpc>
               <a:buNone/>
             </a:pPr>
-            <a:endParaRPr lang="en-US" sz="1600" dirty="0" smtClean="0">
+            <a:endParaRPr lang="en-US" sz="1600" dirty="0">
               <a:solidFill>
                 <a:schemeClr val="tx1"/>
               </a:solidFill>
@@ -26030,7 +25875,7 @@
               <a:buNone/>
             </a:pPr>
             <a:r>
-              <a:rPr lang="en-US" sz="1600" dirty="0" smtClean="0">
+              <a:rPr lang="en-US" sz="1600" dirty="0">
                 <a:solidFill>
                   <a:schemeClr val="tx1"/>
                 </a:solidFill>
@@ -26046,13 +25891,6 @@
     <a:masterClrMapping/>
   </p:clrMapOvr>
   <p:transition/>
-  <p:timing>
-    <p:tnLst>
-      <p:par>
-        <p:cTn id="1" dur="indefinite" restart="never" nodeType="tmRoot"/>
-      </p:par>
-    </p:tnLst>
-  </p:timing>
 </p:sld>
 </file>
 
@@ -26203,7 +26041,7 @@
           <a:p>
             <a:pPr lvl="0"/>
             <a:r>
-              <a:rPr lang="en-US" sz="2000" b="1" dirty="0" smtClean="0">
+              <a:rPr lang="en-US" sz="2000" b="1" dirty="0">
                 <a:solidFill>
                   <a:schemeClr val="bg1"/>
                 </a:solidFill>
@@ -26258,7 +26096,7 @@
               <a:buNone/>
             </a:pPr>
             <a:r>
-              <a:rPr lang="en-US" dirty="0" smtClean="0">
+              <a:rPr lang="en-US" dirty="0">
                 <a:solidFill>
                   <a:schemeClr val="tx1"/>
                 </a:solidFill>
@@ -26274,7 +26112,7 @@
               <a:buNone/>
             </a:pPr>
             <a:r>
-              <a:rPr lang="en-US" dirty="0" smtClean="0">
+              <a:rPr lang="en-US" dirty="0">
                 <a:solidFill>
                   <a:schemeClr val="tx1"/>
                 </a:solidFill>
@@ -26290,7 +26128,7 @@
               <a:buNone/>
             </a:pPr>
             <a:r>
-              <a:rPr lang="en-US" dirty="0" smtClean="0">
+              <a:rPr lang="en-US" dirty="0">
                 <a:solidFill>
                   <a:schemeClr val="tx1"/>
                 </a:solidFill>
@@ -26310,7 +26148,7 @@
               <a:buAutoNum type="alphaUcPeriod"/>
             </a:pPr>
             <a:r>
-              <a:rPr lang="en-US" dirty="0" smtClean="0">
+              <a:rPr lang="en-US" dirty="0">
                 <a:solidFill>
                   <a:schemeClr val="tx1"/>
                 </a:solidFill>
@@ -26330,7 +26168,7 @@
               <a:buAutoNum type="alphaUcPeriod"/>
             </a:pPr>
             <a:r>
-              <a:rPr lang="en-US" dirty="0" smtClean="0">
+              <a:rPr lang="en-US" dirty="0">
                 <a:solidFill>
                   <a:schemeClr val="tx1"/>
                 </a:solidFill>
@@ -26350,7 +26188,7 @@
               <a:buAutoNum type="alphaUcPeriod"/>
             </a:pPr>
             <a:r>
-              <a:rPr lang="en-US" dirty="0" smtClean="0">
+              <a:rPr lang="en-US" dirty="0">
                 <a:solidFill>
                   <a:schemeClr val="tx1"/>
                 </a:solidFill>
@@ -26370,7 +26208,7 @@
               <a:buAutoNum type="alphaUcPeriod"/>
             </a:pPr>
             <a:r>
-              <a:rPr lang="en-US" dirty="0" smtClean="0">
+              <a:rPr lang="en-US" dirty="0">
                 <a:solidFill>
                   <a:schemeClr val="tx1"/>
                 </a:solidFill>
@@ -26378,7 +26216,7 @@
               <a:t>398</a:t>
             </a:r>
             <a:br>
-              <a:rPr lang="en-US" dirty="0" smtClean="0">
+              <a:rPr lang="en-US" dirty="0">
                 <a:solidFill>
                   <a:schemeClr val="tx1"/>
                 </a:solidFill>
@@ -26417,10 +26255,9 @@
           <a:lstStyle/>
           <a:p>
             <a:r>
-              <a:rPr lang="en-US" sz="1800" b="1" dirty="0" smtClean="0"/>
+              <a:rPr lang="en-US" sz="1800" b="1" dirty="0"/>
               <a:t>Answer: C  </a:t>
             </a:r>
-            <a:endParaRPr lang="en-US" sz="1800" b="1" dirty="0"/>
           </a:p>
         </p:txBody>
       </p:sp>
@@ -27534,7 +27371,7 @@
           <a:p>
             <a:pPr lvl="0"/>
             <a:r>
-              <a:rPr lang="en-US" sz="2000" b="1" dirty="0" smtClean="0">
+              <a:rPr lang="en-US" sz="2000" b="1" dirty="0">
                 <a:solidFill>
                   <a:schemeClr val="bg1"/>
                 </a:solidFill>
@@ -27546,7 +27383,7 @@
               <a:t>Concepts</a:t>
             </a:r>
             <a:r>
-              <a:rPr lang="en-US" sz="2400" b="1" dirty="0" smtClean="0">
+              <a:rPr lang="en-US" sz="2400" b="1" dirty="0">
                 <a:solidFill>
                   <a:schemeClr val="bg1"/>
                 </a:solidFill>
@@ -27558,7 +27395,7 @@
               <a:t> </a:t>
             </a:r>
             <a:r>
-              <a:rPr lang="en-US" sz="2000" b="1" dirty="0" smtClean="0">
+              <a:rPr lang="en-US" sz="2000" b="1" dirty="0">
                 <a:solidFill>
                   <a:schemeClr val="bg1"/>
                 </a:solidFill>
@@ -27570,7 +27407,7 @@
               <a:t>of</a:t>
             </a:r>
             <a:r>
-              <a:rPr lang="en-US" sz="2400" b="1" dirty="0" smtClean="0">
+              <a:rPr lang="en-US" sz="2400" b="1" dirty="0">
                 <a:solidFill>
                   <a:schemeClr val="bg1"/>
                 </a:solidFill>
@@ -27582,7 +27419,7 @@
               <a:t> </a:t>
             </a:r>
             <a:r>
-              <a:rPr lang="en-US" sz="2000" b="1" dirty="0" smtClean="0">
+              <a:rPr lang="en-US" sz="2000" b="1" dirty="0">
                 <a:solidFill>
                   <a:schemeClr val="bg1"/>
                 </a:solidFill>
@@ -27594,7 +27431,7 @@
               <a:t>permutation</a:t>
             </a:r>
             <a:r>
-              <a:rPr lang="en-US" sz="2400" b="1" dirty="0" smtClean="0">
+              <a:rPr lang="en-US" sz="2400" b="1" dirty="0">
                 <a:solidFill>
                   <a:schemeClr val="bg1"/>
                 </a:solidFill>
@@ -27606,7 +27443,7 @@
               <a:t> </a:t>
             </a:r>
             <a:r>
-              <a:rPr lang="en-US" sz="2000" b="1" dirty="0" smtClean="0">
+              <a:rPr lang="en-US" sz="2000" b="1" dirty="0">
                 <a:solidFill>
                   <a:schemeClr val="bg1"/>
                 </a:solidFill>
@@ -27618,7 +27455,7 @@
               <a:t>and</a:t>
             </a:r>
             <a:r>
-              <a:rPr lang="en-US" sz="2400" b="1" dirty="0" smtClean="0">
+              <a:rPr lang="en-US" sz="2400" b="1" dirty="0">
                 <a:solidFill>
                   <a:schemeClr val="bg1"/>
                 </a:solidFill>
@@ -27630,7 +27467,7 @@
               <a:t> </a:t>
             </a:r>
             <a:r>
-              <a:rPr lang="en-US" sz="2000" b="1" dirty="0" smtClean="0">
+              <a:rPr lang="en-US" sz="2000" b="1" dirty="0">
                 <a:solidFill>
                   <a:schemeClr val="bg1"/>
                 </a:solidFill>
@@ -27677,7 +27514,7 @@
               <a:buNone/>
             </a:pPr>
             <a:r>
-              <a:rPr lang="en-US" b="1" dirty="0" smtClean="0">
+              <a:rPr lang="en-US" b="1" dirty="0">
                 <a:solidFill>
                   <a:schemeClr val="tx1"/>
                 </a:solidFill>
@@ -27690,7 +27527,7 @@
               <a:buNone/>
             </a:pPr>
             <a:r>
-              <a:rPr lang="en-US" dirty="0" smtClean="0">
+              <a:rPr lang="en-US" dirty="0">
                 <a:solidFill>
                   <a:schemeClr val="tx1"/>
                 </a:solidFill>
@@ -27698,7 +27535,7 @@
               <a:t>If an operation can be performed in </a:t>
             </a:r>
             <a:r>
-              <a:rPr lang="en-US" b="1" dirty="0" smtClean="0">
+              <a:rPr lang="en-US" b="1" dirty="0">
                 <a:solidFill>
                   <a:schemeClr val="tx1"/>
                 </a:solidFill>
@@ -27706,7 +27543,7 @@
               <a:t>m</a:t>
             </a:r>
             <a:r>
-              <a:rPr lang="en-US" dirty="0" smtClean="0">
+              <a:rPr lang="en-US" dirty="0">
                 <a:solidFill>
                   <a:schemeClr val="tx1"/>
                 </a:solidFill>
@@ -27719,7 +27556,7 @@
               <a:buNone/>
             </a:pPr>
             <a:r>
-              <a:rPr lang="en-US" dirty="0" smtClean="0">
+              <a:rPr lang="en-US" dirty="0">
                 <a:solidFill>
                   <a:schemeClr val="tx1"/>
                 </a:solidFill>
@@ -27727,7 +27564,7 @@
               <a:t>second  operation can be performed in </a:t>
             </a:r>
             <a:r>
-              <a:rPr lang="en-US" b="1" dirty="0" smtClean="0">
+              <a:rPr lang="en-US" b="1" dirty="0">
                 <a:solidFill>
                   <a:schemeClr val="tx1"/>
                 </a:solidFill>
@@ -27735,7 +27572,7 @@
               <a:t>n</a:t>
             </a:r>
             <a:r>
-              <a:rPr lang="en-US" dirty="0" smtClean="0">
+              <a:rPr lang="en-US" dirty="0">
                 <a:solidFill>
                   <a:schemeClr val="tx1"/>
                 </a:solidFill>
@@ -27748,7 +27585,7 @@
               <a:buNone/>
             </a:pPr>
             <a:r>
-              <a:rPr lang="en-US" dirty="0" smtClean="0">
+              <a:rPr lang="en-US" dirty="0">
                 <a:solidFill>
                   <a:schemeClr val="tx1"/>
                 </a:solidFill>
@@ -27756,7 +27593,7 @@
               <a:t>in succession can be performed in </a:t>
             </a:r>
             <a:r>
-              <a:rPr lang="en-US" b="1" dirty="0" err="1" smtClean="0">
+              <a:rPr lang="en-US" b="1" dirty="0" err="1">
                 <a:solidFill>
                   <a:schemeClr val="tx1"/>
                 </a:solidFill>
@@ -27764,7 +27601,7 @@
               <a:t>m×n</a:t>
             </a:r>
             <a:r>
-              <a:rPr lang="en-US" dirty="0" smtClean="0">
+              <a:rPr lang="en-US" dirty="0">
                 <a:solidFill>
                   <a:schemeClr val="tx1"/>
                 </a:solidFill>
@@ -27777,14 +27614,14 @@
               <a:buNone/>
             </a:pPr>
             <a:r>
-              <a:rPr lang="en-US" b="1" dirty="0" smtClean="0">
+              <a:rPr lang="en-US" b="1" dirty="0">
                 <a:solidFill>
                   <a:schemeClr val="tx1"/>
                 </a:solidFill>
               </a:rPr>
               <a:t>Addition Theorem (Fundamental Principles of Counting)</a:t>
             </a:r>
-            <a:endParaRPr lang="en-US" dirty="0" smtClean="0">
+            <a:endParaRPr lang="en-US" dirty="0">
               <a:solidFill>
                 <a:schemeClr val="tx1"/>
               </a:solidFill>
@@ -27795,7 +27632,7 @@
               <a:buNone/>
             </a:pPr>
             <a:r>
-              <a:rPr lang="en-US" dirty="0" smtClean="0">
+              <a:rPr lang="en-US" dirty="0">
                 <a:solidFill>
                   <a:schemeClr val="tx1"/>
                 </a:solidFill>
@@ -27803,7 +27640,7 @@
               <a:t>If an operation can be performed in </a:t>
             </a:r>
             <a:r>
-              <a:rPr lang="en-US" b="1" dirty="0" smtClean="0">
+              <a:rPr lang="en-US" b="1" dirty="0">
                 <a:solidFill>
                   <a:schemeClr val="tx1"/>
                 </a:solidFill>
@@ -27811,7 +27648,7 @@
               <a:t>m</a:t>
             </a:r>
             <a:r>
-              <a:rPr lang="en-US" dirty="0" smtClean="0">
+              <a:rPr lang="en-US" dirty="0">
                 <a:solidFill>
                   <a:schemeClr val="tx1"/>
                 </a:solidFill>
@@ -27824,7 +27661,7 @@
               <a:buNone/>
             </a:pPr>
             <a:r>
-              <a:rPr lang="en-US" dirty="0" smtClean="0">
+              <a:rPr lang="en-US" dirty="0">
                 <a:solidFill>
                   <a:schemeClr val="tx1"/>
                 </a:solidFill>
@@ -27832,7 +27669,7 @@
               <a:t>operation can be performed in </a:t>
             </a:r>
             <a:r>
-              <a:rPr lang="en-US" b="1" dirty="0" smtClean="0">
+              <a:rPr lang="en-US" b="1" dirty="0">
                 <a:solidFill>
                   <a:schemeClr val="tx1"/>
                 </a:solidFill>
@@ -27840,7 +27677,7 @@
               <a:t>n</a:t>
             </a:r>
             <a:r>
-              <a:rPr lang="en-US" dirty="0" smtClean="0">
+              <a:rPr lang="en-US" dirty="0">
                 <a:solidFill>
                   <a:schemeClr val="tx1"/>
                 </a:solidFill>
@@ -27853,7 +27690,7 @@
               <a:buNone/>
             </a:pPr>
             <a:r>
-              <a:rPr lang="en-US" dirty="0" smtClean="0">
+              <a:rPr lang="en-US" dirty="0">
                 <a:solidFill>
                   <a:schemeClr val="tx1"/>
                 </a:solidFill>
@@ -27861,7 +27698,7 @@
               <a:t>be  performed in (</a:t>
             </a:r>
             <a:r>
-              <a:rPr lang="en-US" dirty="0" err="1" smtClean="0">
+              <a:rPr lang="en-US" dirty="0" err="1">
                 <a:solidFill>
                   <a:schemeClr val="tx1"/>
                 </a:solidFill>
@@ -27869,7 +27706,7 @@
               <a:t>m+n</a:t>
             </a:r>
             <a:r>
-              <a:rPr lang="en-US" dirty="0" smtClean="0">
+              <a:rPr lang="en-US" dirty="0">
                 <a:solidFill>
                   <a:schemeClr val="tx1"/>
                 </a:solidFill>
@@ -27882,14 +27719,14 @@
               <a:buNone/>
             </a:pPr>
             <a:r>
-              <a:rPr lang="en-US" b="1" dirty="0" smtClean="0">
+              <a:rPr lang="en-US" b="1" dirty="0">
                 <a:solidFill>
                   <a:schemeClr val="tx1"/>
                 </a:solidFill>
               </a:rPr>
               <a:t>Factorial</a:t>
             </a:r>
-            <a:endParaRPr lang="en-US" dirty="0" smtClean="0">
+            <a:endParaRPr lang="en-US" dirty="0">
               <a:solidFill>
                 <a:schemeClr val="tx1"/>
               </a:solidFill>
@@ -27900,7 +27737,7 @@
               <a:buNone/>
             </a:pPr>
             <a:r>
-              <a:rPr lang="en-US" dirty="0" smtClean="0">
+              <a:rPr lang="en-US" dirty="0">
                 <a:solidFill>
                   <a:schemeClr val="tx1"/>
                 </a:solidFill>
@@ -27913,7 +27750,7 @@
               <a:buNone/>
             </a:pPr>
             <a:r>
-              <a:rPr lang="en-US" dirty="0" smtClean="0">
+              <a:rPr lang="en-US" dirty="0">
                 <a:solidFill>
                   <a:schemeClr val="tx1"/>
                 </a:solidFill>
@@ -27925,16 +27762,8 @@
             <a:pPr>
               <a:buNone/>
             </a:pPr>
-            <a:r>
-              <a:rPr lang="en-US" dirty="0" smtClean="0">
-                <a:solidFill>
-                  <a:schemeClr val="tx1"/>
-                </a:solidFill>
-              </a:rPr>
-              <a:t/>
-            </a:r>
             <a:br>
-              <a:rPr lang="en-US" dirty="0" smtClean="0">
+              <a:rPr lang="en-US" dirty="0">
                 <a:solidFill>
                   <a:schemeClr val="tx1"/>
                 </a:solidFill>
@@ -29372,7 +29201,7 @@
           <a:lstStyle/>
           <a:p>
             <a:r>
-              <a:rPr lang="en-IN" sz="1800" b="1" dirty="0" smtClean="0">
+              <a:rPr lang="en-IN" sz="1800" b="1" dirty="0">
                 <a:solidFill>
                   <a:schemeClr val="bg1"/>
                 </a:solidFill>
@@ -29403,8 +29232,8 @@
         </p:nvSpPr>
         <p:spPr>
           <a:xfrm>
-            <a:off x="197400" y="1000349"/>
-            <a:ext cx="8520600" cy="3809157"/>
+            <a:off x="-130629" y="1000349"/>
+            <a:ext cx="9873343" cy="3809157"/>
           </a:xfrm>
         </p:spPr>
         <p:txBody>
@@ -29418,7 +29247,7 @@
               <a:buNone/>
             </a:pPr>
             <a:r>
-              <a:rPr lang="en-US" dirty="0" smtClean="0">
+              <a:rPr lang="en-US" dirty="0">
                 <a:solidFill>
                   <a:schemeClr val="tx1"/>
                 </a:solidFill>
@@ -29434,12 +29263,12 @@
               <a:buNone/>
             </a:pPr>
             <a:r>
-              <a:rPr lang="en-US" dirty="0" smtClean="0">
+              <a:rPr lang="en-US" dirty="0">
                 <a:solidFill>
                   <a:schemeClr val="tx1"/>
                 </a:solidFill>
               </a:rPr>
-              <a:t>Case 1: neither of A and B come then the remain students’ needs to be selected </a:t>
+              <a:t>Case 1: neither of A and B come then the remain students’ needs to be selected 8c6</a:t>
             </a:r>
           </a:p>
           <a:p>
@@ -29450,23 +29279,7 @@
               <a:buNone/>
             </a:pPr>
             <a:r>
-              <a:rPr lang="en-US" dirty="0" smtClean="0">
-                <a:solidFill>
-                  <a:schemeClr val="tx1"/>
-                </a:solidFill>
-              </a:rPr>
-              <a:t>8c6</a:t>
-            </a:r>
-          </a:p>
-          <a:p>
-            <a:pPr>
-              <a:lnSpc>
-                <a:spcPct val="150000"/>
-              </a:lnSpc>
-              <a:buNone/>
-            </a:pPr>
-            <a:r>
-              <a:rPr lang="en-US" dirty="0" smtClean="0">
+              <a:rPr lang="en-US" dirty="0">
                 <a:solidFill>
                   <a:schemeClr val="tx1"/>
                 </a:solidFill>
@@ -29474,14 +29287,14 @@
               <a:t>Case 2: only one of them comes i.e. selecting 5 out of 8 and one from A and b</a:t>
             </a:r>
             <a:br>
-              <a:rPr lang="en-US" dirty="0" smtClean="0">
+              <a:rPr lang="en-US" dirty="0">
                 <a:solidFill>
                   <a:schemeClr val="tx1"/>
                 </a:solidFill>
               </a:rPr>
             </a:br>
             <a:r>
-              <a:rPr lang="en-US" dirty="0" smtClean="0">
+              <a:rPr lang="en-US" dirty="0">
                 <a:solidFill>
                   <a:schemeClr val="tx1"/>
                 </a:solidFill>
@@ -29489,14 +29302,14 @@
               <a:t>8c6 + 8c5 x 2c1</a:t>
             </a:r>
             <a:br>
-              <a:rPr lang="en-US" dirty="0" smtClean="0">
+              <a:rPr lang="en-US" dirty="0">
                 <a:solidFill>
                   <a:schemeClr val="tx1"/>
                 </a:solidFill>
               </a:rPr>
             </a:br>
             <a:r>
-              <a:rPr lang="en-US" dirty="0" smtClean="0">
+              <a:rPr lang="en-US" dirty="0">
                 <a:solidFill>
                   <a:schemeClr val="tx1"/>
                 </a:solidFill>
@@ -29511,16 +29324,8 @@
               </a:lnSpc>
               <a:buNone/>
             </a:pPr>
-            <a:r>
-              <a:rPr lang="en-US" dirty="0" smtClean="0">
-                <a:solidFill>
-                  <a:schemeClr val="tx1"/>
-                </a:solidFill>
-              </a:rPr>
-              <a:t/>
-            </a:r>
             <a:br>
-              <a:rPr lang="en-US" dirty="0" smtClean="0">
+              <a:rPr lang="en-US" dirty="0">
                 <a:solidFill>
                   <a:schemeClr val="tx1"/>
                 </a:solidFill>
@@ -29542,13 +29347,6 @@
     <a:masterClrMapping/>
   </p:clrMapOvr>
   <p:transition/>
-  <p:timing>
-    <p:tnLst>
-      <p:par>
-        <p:cTn id="1" dur="indefinite" restart="never" nodeType="tmRoot"/>
-      </p:par>
-    </p:tnLst>
-  </p:timing>
 </p:sld>
 </file>
 
@@ -29699,7 +29497,7 @@
           <a:p>
             <a:pPr lvl="0"/>
             <a:r>
-              <a:rPr lang="en-US" sz="2000" b="1" dirty="0" smtClean="0">
+              <a:rPr lang="en-US" sz="2000" b="1" dirty="0">
                 <a:solidFill>
                   <a:schemeClr val="bg1"/>
                 </a:solidFill>
@@ -29754,7 +29552,7 @@
               <a:buNone/>
             </a:pPr>
             <a:r>
-              <a:rPr lang="en-US" dirty="0" smtClean="0">
+              <a:rPr lang="en-US" dirty="0">
                 <a:solidFill>
                   <a:schemeClr val="tx1"/>
                 </a:solidFill>
@@ -29770,7 +29568,7 @@
               <a:buNone/>
             </a:pPr>
             <a:r>
-              <a:rPr lang="en-US" dirty="0" smtClean="0">
+              <a:rPr lang="en-US" dirty="0">
                 <a:solidFill>
                   <a:schemeClr val="tx1"/>
                 </a:solidFill>
@@ -29790,7 +29588,7 @@
               <a:buAutoNum type="alphaUcPeriod"/>
             </a:pPr>
             <a:r>
-              <a:rPr lang="en-US" dirty="0" smtClean="0">
+              <a:rPr lang="en-US" dirty="0">
                 <a:solidFill>
                   <a:schemeClr val="tx1"/>
                 </a:solidFill>
@@ -29810,7 +29608,7 @@
               <a:buAutoNum type="alphaUcPeriod"/>
             </a:pPr>
             <a:r>
-              <a:rPr lang="en-US" dirty="0" smtClean="0">
+              <a:rPr lang="en-US" dirty="0">
                 <a:solidFill>
                   <a:schemeClr val="tx1"/>
                 </a:solidFill>
@@ -29830,7 +29628,7 @@
               <a:buAutoNum type="alphaUcPeriod"/>
             </a:pPr>
             <a:r>
-              <a:rPr lang="en-US" dirty="0" smtClean="0">
+              <a:rPr lang="en-US" dirty="0">
                 <a:solidFill>
                   <a:schemeClr val="tx1"/>
                 </a:solidFill>
@@ -29852,7 +29650,7 @@
               <a:buAutoNum type="alphaUcPeriod"/>
             </a:pPr>
             <a:r>
-              <a:rPr lang="en-US" dirty="0" smtClean="0">
+              <a:rPr lang="en-US" dirty="0">
                 <a:solidFill>
                   <a:schemeClr val="tx1"/>
                 </a:solidFill>
@@ -29902,10 +29700,9 @@
           <a:lstStyle/>
           <a:p>
             <a:r>
-              <a:rPr lang="en-US" sz="1800" b="1" dirty="0" smtClean="0"/>
+              <a:rPr lang="en-US" sz="1800" b="1" dirty="0"/>
               <a:t>Answer: D  </a:t>
             </a:r>
-            <a:endParaRPr lang="en-US" sz="1800" b="1" dirty="0"/>
           </a:p>
         </p:txBody>
       </p:sp>
@@ -29914,14 +29711,6 @@
   <p:clrMapOvr>
     <a:masterClrMapping/>
   </p:clrMapOvr>
-  <mc:AlternateContent xmlns:mc="http://schemas.openxmlformats.org/markup-compatibility/2006">
-    <mc:Choice xmlns:p14="http://schemas.microsoft.com/office/powerpoint/2010/main" Requires="p14">
-      <p:transition spd="slow" p14:dur="2000"/>
-    </mc:Choice>
-    <mc:Fallback>
-      <p:transition spd="slow"/>
-    </mc:Fallback>
-  </mc:AlternateContent>
   <p:timing>
     <p:tnLst>
       <p:par>
@@ -30923,7 +30712,7 @@
           <a:lstStyle/>
           <a:p>
             <a:r>
-              <a:rPr lang="en-GB" sz="2000" b="1" dirty="0" smtClean="0">
+              <a:rPr lang="en-GB" sz="2000" b="1" dirty="0">
                 <a:solidFill>
                   <a:schemeClr val="bg1"/>
                 </a:solidFill>
@@ -30932,13 +30721,6 @@
               </a:rPr>
               <a:t>Explanation: 14</a:t>
             </a:r>
-            <a:endParaRPr lang="en-GB" sz="2000" b="1" dirty="0">
-              <a:solidFill>
-                <a:schemeClr val="bg1"/>
-              </a:solidFill>
-              <a:latin typeface="Roboto" charset="0"/>
-              <a:ea typeface="Roboto" charset="0"/>
-            </a:endParaRPr>
           </a:p>
         </p:txBody>
       </p:sp>
@@ -30966,7 +30748,7 @@
               <a:buNone/>
             </a:pPr>
             <a:r>
-              <a:rPr lang="en-US" dirty="0" smtClean="0">
+              <a:rPr lang="en-US" dirty="0">
                 <a:solidFill>
                   <a:schemeClr val="tx1"/>
                 </a:solidFill>
@@ -30979,7 +30761,7 @@
               <a:buNone/>
             </a:pPr>
             <a:r>
-              <a:rPr lang="en-US" dirty="0" smtClean="0">
+              <a:rPr lang="en-US" dirty="0">
                 <a:solidFill>
                   <a:schemeClr val="tx1"/>
                 </a:solidFill>
@@ -30992,7 +30774,7 @@
               <a:buNone/>
             </a:pPr>
             <a:r>
-              <a:rPr lang="en-US" dirty="0" smtClean="0">
+              <a:rPr lang="en-US" dirty="0">
                 <a:solidFill>
                   <a:schemeClr val="tx1"/>
                 </a:solidFill>
@@ -31005,7 +30787,7 @@
               <a:buNone/>
             </a:pPr>
             <a:r>
-              <a:rPr lang="en-US" dirty="0" smtClean="0">
+              <a:rPr lang="en-US" dirty="0">
                 <a:solidFill>
                   <a:schemeClr val="tx1"/>
                 </a:solidFill>
@@ -31018,7 +30800,7 @@
               <a:buNone/>
             </a:pPr>
             <a:r>
-              <a:rPr lang="en-US" dirty="0" smtClean="0">
+              <a:rPr lang="en-US" dirty="0">
                 <a:solidFill>
                   <a:schemeClr val="tx1"/>
                 </a:solidFill>
@@ -31031,7 +30813,7 @@
               <a:buNone/>
             </a:pPr>
             <a:r>
-              <a:rPr lang="en-US" dirty="0" smtClean="0">
+              <a:rPr lang="en-US" dirty="0">
                 <a:solidFill>
                   <a:schemeClr val="tx1"/>
                 </a:solidFill>
@@ -31044,7 +30826,7 @@
               <a:buNone/>
             </a:pPr>
             <a:r>
-              <a:rPr lang="en-US" dirty="0" smtClean="0">
+              <a:rPr lang="en-US" dirty="0">
                 <a:solidFill>
                   <a:schemeClr val="tx1"/>
                 </a:solidFill>
@@ -31052,14 +30834,14 @@
               <a:t>number also</a:t>
             </a:r>
             <a:br>
-              <a:rPr lang="en-US" dirty="0" smtClean="0">
+              <a:rPr lang="en-US" dirty="0">
                 <a:solidFill>
                   <a:schemeClr val="tx1"/>
                 </a:solidFill>
               </a:rPr>
             </a:br>
             <a:r>
-              <a:rPr lang="en-US" dirty="0" err="1" smtClean="0">
+              <a:rPr lang="en-US" dirty="0" err="1">
                 <a:solidFill>
                   <a:schemeClr val="tx1"/>
                 </a:solidFill>
@@ -31067,7 +30849,7 @@
               <a:t>Ans</a:t>
             </a:r>
             <a:r>
-              <a:rPr lang="en-US" dirty="0" smtClean="0">
+              <a:rPr lang="en-US" dirty="0">
                 <a:solidFill>
                   <a:schemeClr val="tx1"/>
                 </a:solidFill>
@@ -31076,16 +30858,8 @@
             </a:r>
           </a:p>
           <a:p>
-            <a:r>
-              <a:rPr lang="en-US" dirty="0" smtClean="0">
-                <a:solidFill>
-                  <a:schemeClr val="tx1"/>
-                </a:solidFill>
-              </a:rPr>
-              <a:t/>
-            </a:r>
             <a:br>
-              <a:rPr lang="en-US" dirty="0" smtClean="0">
+              <a:rPr lang="en-US" dirty="0">
                 <a:solidFill>
                   <a:schemeClr val="tx1"/>
                 </a:solidFill>
@@ -32114,7 +31888,7 @@
           <a:p>
             <a:pPr lvl="0"/>
             <a:r>
-              <a:rPr lang="en-US" sz="2000" b="1" dirty="0" smtClean="0">
+              <a:rPr lang="en-US" sz="2000" b="1" dirty="0">
                 <a:solidFill>
                   <a:schemeClr val="bg1"/>
                 </a:solidFill>
@@ -32169,7 +31943,7 @@
               <a:buNone/>
             </a:pPr>
             <a:r>
-              <a:rPr lang="en-US" dirty="0" smtClean="0">
+              <a:rPr lang="en-US" dirty="0">
                 <a:solidFill>
                   <a:schemeClr val="tx1"/>
                 </a:solidFill>
@@ -32185,7 +31959,7 @@
               <a:buNone/>
             </a:pPr>
             <a:r>
-              <a:rPr lang="en-US" dirty="0" smtClean="0">
+              <a:rPr lang="en-US" dirty="0">
                 <a:solidFill>
                   <a:schemeClr val="tx1"/>
                 </a:solidFill>
@@ -32205,7 +31979,7 @@
               <a:buAutoNum type="alphaUcPeriod"/>
             </a:pPr>
             <a:r>
-              <a:rPr lang="en-US" dirty="0" smtClean="0">
+              <a:rPr lang="en-US" dirty="0">
                 <a:solidFill>
                   <a:schemeClr val="tx1"/>
                 </a:solidFill>
@@ -32225,7 +31999,7 @@
               <a:buAutoNum type="alphaUcPeriod"/>
             </a:pPr>
             <a:r>
-              <a:rPr lang="en-US" dirty="0" smtClean="0">
+              <a:rPr lang="en-US" dirty="0">
                 <a:solidFill>
                   <a:schemeClr val="tx1"/>
                 </a:solidFill>
@@ -32246,7 +32020,7 @@
               <a:buAutoNum type="alphaUcPeriod"/>
             </a:pPr>
             <a:r>
-              <a:rPr lang="en-US" dirty="0" smtClean="0">
+              <a:rPr lang="en-US" dirty="0">
                 <a:solidFill>
                   <a:schemeClr val="tx1"/>
                 </a:solidFill>
@@ -32267,7 +32041,7 @@
               <a:buAutoNum type="alphaUcPeriod"/>
             </a:pPr>
             <a:r>
-              <a:rPr lang="en-US" dirty="0" smtClean="0">
+              <a:rPr lang="en-US" dirty="0">
                 <a:solidFill>
                   <a:schemeClr val="tx1"/>
                 </a:solidFill>
@@ -32307,10 +32081,9 @@
           <a:lstStyle/>
           <a:p>
             <a:r>
-              <a:rPr lang="en-US" sz="1800" b="1" dirty="0" smtClean="0"/>
+              <a:rPr lang="en-US" sz="1800" b="1" dirty="0"/>
               <a:t>Answer: C  </a:t>
             </a:r>
-            <a:endParaRPr lang="en-US" sz="1800" b="1" dirty="0"/>
           </a:p>
         </p:txBody>
       </p:sp>
@@ -33320,7 +33093,7 @@
           <a:lstStyle/>
           <a:p>
             <a:r>
-              <a:rPr lang="en-IN" sz="2000" b="1" dirty="0" smtClean="0">
+              <a:rPr lang="en-IN" sz="2000" b="1" dirty="0">
                 <a:solidFill>
                   <a:schemeClr val="bg1"/>
                 </a:solidFill>
@@ -33360,7 +33133,7 @@
           <a:lstStyle/>
           <a:p>
             <a:r>
-              <a:rPr lang="en-US" sz="2000" dirty="0" smtClean="0">
+              <a:rPr lang="en-US" sz="2000" dirty="0">
                 <a:solidFill>
                   <a:schemeClr val="tx1"/>
                 </a:solidFill>
@@ -33368,14 +33141,14 @@
               <a:t>no. of alphabets=26 (a-z), no. of digits=10(0-9).</a:t>
             </a:r>
             <a:br>
-              <a:rPr lang="en-US" sz="2000" dirty="0" smtClean="0">
+              <a:rPr lang="en-US" sz="2000" dirty="0">
                 <a:solidFill>
                   <a:schemeClr val="tx1"/>
                 </a:solidFill>
               </a:rPr>
             </a:br>
             <a:r>
-              <a:rPr lang="en-US" sz="2000" dirty="0" smtClean="0">
+              <a:rPr lang="en-US" sz="2000" dirty="0">
                 <a:solidFill>
                   <a:schemeClr val="tx1"/>
                 </a:solidFill>
@@ -33383,14 +33156,14 @@
               <a:t>ways of arranging two alphabets with out repetition=26*25;</a:t>
             </a:r>
             <a:br>
-              <a:rPr lang="en-US" sz="2000" dirty="0" smtClean="0">
+              <a:rPr lang="en-US" sz="2000" dirty="0">
                 <a:solidFill>
                   <a:schemeClr val="tx1"/>
                 </a:solidFill>
               </a:rPr>
             </a:br>
             <a:r>
-              <a:rPr lang="en-US" sz="2000" dirty="0" smtClean="0">
+              <a:rPr lang="en-US" sz="2000" dirty="0">
                 <a:solidFill>
                   <a:schemeClr val="tx1"/>
                 </a:solidFill>
@@ -33398,32 +33171,37 @@
               <a:t>ways of forming two digits without repetition=10*9</a:t>
             </a:r>
             <a:br>
-              <a:rPr lang="en-US" sz="2000" dirty="0" smtClean="0">
+              <a:rPr lang="en-US" sz="2000" dirty="0">
                 <a:solidFill>
                   <a:schemeClr val="tx1"/>
                 </a:solidFill>
               </a:rPr>
             </a:br>
             <a:r>
-              <a:rPr lang="en-US" sz="2000" dirty="0" smtClean="0">
+              <a:rPr lang="en-US" sz="2000" dirty="0">
                 <a:solidFill>
                   <a:schemeClr val="tx1"/>
                 </a:solidFill>
               </a:rPr>
-              <a:t>no. of combinations of forming the number on number plate= 26*25*10*9=58500</a:t>
-            </a:r>
-          </a:p>
-          <a:p>
-            <a:r>
-              <a:rPr lang="en-US" sz="2000" dirty="0" smtClean="0">
-                <a:solidFill>
-                  <a:schemeClr val="tx1"/>
-                </a:solidFill>
-              </a:rPr>
-              <a:t/>
+              <a:t>no. of combinations of forming the </a:t>
             </a:r>
             <a:br>
-              <a:rPr lang="en-US" sz="2000" dirty="0" smtClean="0">
+              <a:rPr lang="en-US" sz="2000" dirty="0">
+                <a:solidFill>
+                  <a:schemeClr val="tx1"/>
+                </a:solidFill>
+              </a:rPr>
+            </a:br>
+            <a:r>
+              <a:rPr lang="en-US" sz="2000" dirty="0">
+                <a:solidFill>
+                  <a:schemeClr val="tx1"/>
+                </a:solidFill>
+              </a:rPr>
+              <a:t>number on number plate= 26*25*10*9=58500</a:t>
+            </a:r>
+            <a:br>
+              <a:rPr lang="en-US" sz="2000" dirty="0">
                 <a:solidFill>
                   <a:schemeClr val="tx1"/>
                 </a:solidFill>
@@ -33443,13 +33221,6 @@
     <a:masterClrMapping/>
   </p:clrMapOvr>
   <p:transition/>
-  <p:timing>
-    <p:tnLst>
-      <p:par>
-        <p:cTn id="1" dur="indefinite" restart="never" nodeType="tmRoot"/>
-      </p:par>
-    </p:tnLst>
-  </p:timing>
 </p:sld>
 </file>
 
@@ -33600,7 +33371,7 @@
           <a:p>
             <a:pPr lvl="0"/>
             <a:r>
-              <a:rPr lang="en-US" sz="2000" b="1" dirty="0" smtClean="0">
+              <a:rPr lang="en-US" sz="2000" b="1" dirty="0">
                 <a:solidFill>
                   <a:schemeClr val="bg1"/>
                 </a:solidFill>
@@ -33612,7 +33383,7 @@
               <a:t>Concepts</a:t>
             </a:r>
             <a:r>
-              <a:rPr lang="en-US" sz="2400" b="1" dirty="0" smtClean="0">
+              <a:rPr lang="en-US" sz="2400" b="1" dirty="0">
                 <a:solidFill>
                   <a:schemeClr val="bg1"/>
                 </a:solidFill>
@@ -33624,7 +33395,7 @@
               <a:t> </a:t>
             </a:r>
             <a:r>
-              <a:rPr lang="en-US" sz="2000" b="1" dirty="0" smtClean="0">
+              <a:rPr lang="en-US" sz="2000" b="1" dirty="0">
                 <a:solidFill>
                   <a:schemeClr val="bg1"/>
                 </a:solidFill>
@@ -33636,7 +33407,7 @@
               <a:t>of</a:t>
             </a:r>
             <a:r>
-              <a:rPr lang="en-US" sz="2400" b="1" dirty="0" smtClean="0">
+              <a:rPr lang="en-US" sz="2400" b="1" dirty="0">
                 <a:solidFill>
                   <a:schemeClr val="bg1"/>
                 </a:solidFill>
@@ -33648,7 +33419,7 @@
               <a:t> </a:t>
             </a:r>
             <a:r>
-              <a:rPr lang="en-US" sz="2000" b="1" dirty="0" smtClean="0">
+              <a:rPr lang="en-US" sz="2000" b="1" dirty="0">
                 <a:solidFill>
                   <a:schemeClr val="bg1"/>
                 </a:solidFill>
@@ -33660,7 +33431,7 @@
               <a:t>permutation</a:t>
             </a:r>
             <a:r>
-              <a:rPr lang="en-US" sz="2400" b="1" dirty="0" smtClean="0">
+              <a:rPr lang="en-US" sz="2400" b="1" dirty="0">
                 <a:solidFill>
                   <a:schemeClr val="bg1"/>
                 </a:solidFill>
@@ -33672,7 +33443,7 @@
               <a:t> </a:t>
             </a:r>
             <a:r>
-              <a:rPr lang="en-US" sz="2000" b="1" dirty="0" smtClean="0">
+              <a:rPr lang="en-US" sz="2000" b="1" dirty="0">
                 <a:solidFill>
                   <a:schemeClr val="bg1"/>
                 </a:solidFill>
@@ -33684,7 +33455,7 @@
               <a:t>and</a:t>
             </a:r>
             <a:r>
-              <a:rPr lang="en-US" sz="2400" b="1" dirty="0" smtClean="0">
+              <a:rPr lang="en-US" sz="2400" b="1" dirty="0">
                 <a:solidFill>
                   <a:schemeClr val="bg1"/>
                 </a:solidFill>
@@ -33696,7 +33467,7 @@
               <a:t> </a:t>
             </a:r>
             <a:r>
-              <a:rPr lang="en-US" sz="2000" b="1" dirty="0" smtClean="0">
+              <a:rPr lang="en-US" sz="2000" b="1" dirty="0">
                 <a:solidFill>
                   <a:schemeClr val="bg1"/>
                 </a:solidFill>
@@ -33743,14 +33514,14 @@
               <a:buNone/>
             </a:pPr>
             <a:r>
-              <a:rPr lang="en-US" sz="2000" b="1" dirty="0" smtClean="0">
+              <a:rPr lang="en-US" sz="2000" b="1" dirty="0">
                 <a:solidFill>
                   <a:schemeClr val="tx1"/>
                 </a:solidFill>
               </a:rPr>
               <a:t>Special Cases</a:t>
             </a:r>
-            <a:endParaRPr lang="en-US" sz="2000" dirty="0" smtClean="0">
+            <a:endParaRPr lang="en-US" sz="2000" dirty="0">
               <a:solidFill>
                 <a:schemeClr val="tx1"/>
               </a:solidFill>
@@ -33761,7 +33532,7 @@
               <a:buNone/>
             </a:pPr>
             <a:r>
-              <a:rPr lang="en-US" sz="2000" dirty="0" smtClean="0">
+              <a:rPr lang="en-US" sz="2000" dirty="0">
                 <a:solidFill>
                   <a:schemeClr val="tx1"/>
                 </a:solidFill>
@@ -33774,7 +33545,7 @@
               <a:buNone/>
             </a:pPr>
             <a:r>
-              <a:rPr lang="en-US" sz="2000" dirty="0" smtClean="0">
+              <a:rPr lang="en-US" sz="2000" dirty="0">
                 <a:solidFill>
                   <a:schemeClr val="tx1"/>
                 </a:solidFill>
@@ -33787,7 +33558,7 @@
               <a:buNone/>
             </a:pPr>
             <a:r>
-              <a:rPr lang="en-US" sz="2400" b="1" dirty="0" smtClean="0">
+              <a:rPr lang="en-US" sz="2400" b="1" dirty="0">
                 <a:solidFill>
                   <a:schemeClr val="tx1"/>
                 </a:solidFill>
@@ -33800,7 +33571,7 @@
               <a:buNone/>
             </a:pPr>
             <a:r>
-              <a:rPr lang="en-US" dirty="0" smtClean="0">
+              <a:rPr lang="en-US" dirty="0">
                 <a:solidFill>
                   <a:schemeClr val="tx1"/>
                 </a:solidFill>
@@ -33813,7 +33584,7 @@
               <a:buNone/>
             </a:pPr>
             <a:r>
-              <a:rPr lang="en-US" dirty="0" smtClean="0">
+              <a:rPr lang="en-US" dirty="0">
                 <a:solidFill>
                   <a:schemeClr val="tx1"/>
                 </a:solidFill>
@@ -33821,7 +33592,7 @@
               <a:t>things. This is denoted by</a:t>
             </a:r>
             <a:r>
-              <a:rPr lang="en-US" sz="2400" dirty="0" smtClean="0">
+              <a:rPr lang="en-US" sz="2400" dirty="0">
                 <a:solidFill>
                   <a:schemeClr val="tx1"/>
                 </a:solidFill>
@@ -33829,7 +33600,7 @@
               <a:t> </a:t>
             </a:r>
             <a:r>
-              <a:rPr lang="en-US" sz="2400" b="1" baseline="30000" dirty="0" err="1" smtClean="0">
+              <a:rPr lang="en-US" sz="2400" b="1" baseline="30000" dirty="0" err="1">
                 <a:solidFill>
                   <a:schemeClr val="tx1"/>
                 </a:solidFill>
@@ -33837,7 +33608,7 @@
               <a:t>n</a:t>
             </a:r>
             <a:r>
-              <a:rPr lang="en-US" sz="2400" b="1" dirty="0" err="1" smtClean="0">
+              <a:rPr lang="en-US" sz="2400" b="1" dirty="0" err="1">
                 <a:solidFill>
                   <a:schemeClr val="tx1"/>
                 </a:solidFill>
@@ -33845,7 +33616,7 @@
               <a:t>P</a:t>
             </a:r>
             <a:r>
-              <a:rPr lang="en-US" sz="2400" b="1" baseline="-25000" dirty="0" err="1" smtClean="0">
+              <a:rPr lang="en-US" sz="2400" b="1" baseline="-25000" dirty="0" err="1">
                 <a:solidFill>
                   <a:schemeClr val="tx1"/>
                 </a:solidFill>
@@ -33853,7 +33624,7 @@
               <a:t>r</a:t>
             </a:r>
             <a:r>
-              <a:rPr lang="en-US" b="1" baseline="-25000" dirty="0" smtClean="0">
+              <a:rPr lang="en-US" b="1" baseline="-25000" dirty="0">
                 <a:solidFill>
                   <a:schemeClr val="tx1"/>
                 </a:solidFill>
@@ -33861,7 +33632,7 @@
               <a:t> </a:t>
             </a:r>
             <a:r>
-              <a:rPr lang="en-US" dirty="0" smtClean="0">
+              <a:rPr lang="en-US" dirty="0">
                 <a:solidFill>
                   <a:schemeClr val="tx1"/>
                 </a:solidFill>
@@ -33869,7 +33640,7 @@
               <a:t>which is equal to </a:t>
             </a:r>
             <a:r>
-              <a:rPr lang="en-US" sz="2400" b="1" dirty="0" smtClean="0">
+              <a:rPr lang="en-US" sz="2400" b="1" dirty="0">
                 <a:solidFill>
                   <a:schemeClr val="tx1"/>
                 </a:solidFill>
@@ -33882,7 +33653,7 @@
               <a:buNone/>
             </a:pPr>
             <a:r>
-              <a:rPr lang="en-US" sz="2400" b="1" dirty="0" smtClean="0">
+              <a:rPr lang="en-US" sz="2400" b="1" dirty="0">
                 <a:solidFill>
                   <a:schemeClr val="tx1"/>
                 </a:solidFill>
@@ -33895,7 +33666,7 @@
               <a:buNone/>
             </a:pPr>
             <a:r>
-              <a:rPr lang="en-US" sz="1800" dirty="0" smtClean="0">
+              <a:rPr lang="en-US" sz="1800" dirty="0">
                 <a:solidFill>
                   <a:schemeClr val="tx1"/>
                 </a:solidFill>
@@ -33908,7 +33679,7 @@
               <a:buNone/>
             </a:pPr>
             <a:r>
-              <a:rPr lang="en-US" sz="1800" dirty="0" smtClean="0">
+              <a:rPr lang="en-US" sz="1800" dirty="0">
                 <a:solidFill>
                   <a:schemeClr val="tx1"/>
                 </a:solidFill>
@@ -33916,7 +33687,7 @@
               <a:t>things. This is denoted by </a:t>
             </a:r>
             <a:r>
-              <a:rPr lang="en-US" sz="2400" b="1" baseline="30000" dirty="0" err="1" smtClean="0">
+              <a:rPr lang="en-US" sz="2400" b="1" baseline="30000" dirty="0" err="1">
                 <a:solidFill>
                   <a:schemeClr val="tx1"/>
                 </a:solidFill>
@@ -33924,7 +33695,7 @@
               <a:t>n</a:t>
             </a:r>
             <a:r>
-              <a:rPr lang="en-US" sz="2400" b="1" dirty="0" err="1" smtClean="0">
+              <a:rPr lang="en-US" sz="2400" b="1" dirty="0" err="1">
                 <a:solidFill>
                   <a:schemeClr val="tx1"/>
                 </a:solidFill>
@@ -33932,7 +33703,7 @@
               <a:t>C</a:t>
             </a:r>
             <a:r>
-              <a:rPr lang="en-US" sz="2400" b="1" baseline="-25000" dirty="0" err="1" smtClean="0">
+              <a:rPr lang="en-US" sz="2400" b="1" baseline="-25000" dirty="0" err="1">
                 <a:solidFill>
                   <a:schemeClr val="tx1"/>
                 </a:solidFill>
@@ -33940,7 +33711,7 @@
               <a:t>r</a:t>
             </a:r>
             <a:r>
-              <a:rPr lang="en-US" sz="1800" baseline="-25000" dirty="0" smtClean="0">
+              <a:rPr lang="en-US" sz="1800" baseline="-25000" dirty="0">
                 <a:solidFill>
                   <a:schemeClr val="tx1"/>
                 </a:solidFill>
@@ -33948,7 +33719,7 @@
               <a:t> </a:t>
             </a:r>
             <a:r>
-              <a:rPr lang="en-US" sz="1800" dirty="0" smtClean="0">
+              <a:rPr lang="en-US" sz="1800" dirty="0">
                 <a:solidFill>
                   <a:schemeClr val="tx1"/>
                 </a:solidFill>
@@ -33956,14 +33727,14 @@
               <a:t>which is equal to </a:t>
             </a:r>
             <a:r>
-              <a:rPr lang="en-US" sz="2400" b="1" dirty="0" smtClean="0">
+              <a:rPr lang="en-US" sz="2400" b="1" dirty="0">
                 <a:solidFill>
                   <a:schemeClr val="tx1"/>
                 </a:solidFill>
               </a:rPr>
               <a:t>n!/r!(n-r)!</a:t>
             </a:r>
-            <a:endParaRPr lang="en-US" sz="1800" b="1" dirty="0" smtClean="0">
+            <a:endParaRPr lang="en-US" sz="1800" b="1" dirty="0">
               <a:solidFill>
                 <a:schemeClr val="tx1"/>
               </a:solidFill>
@@ -33973,22 +33744,14 @@
             <a:pPr>
               <a:buNone/>
             </a:pPr>
-            <a:r>
-              <a:rPr lang="en-US" sz="2400" dirty="0" smtClean="0">
-                <a:solidFill>
-                  <a:schemeClr val="tx1"/>
-                </a:solidFill>
-              </a:rPr>
-              <a:t/>
-            </a:r>
             <a:br>
-              <a:rPr lang="en-US" sz="2400" dirty="0" smtClean="0">
+              <a:rPr lang="en-US" sz="2400" dirty="0">
                 <a:solidFill>
                   <a:schemeClr val="tx1"/>
                 </a:solidFill>
               </a:rPr>
             </a:br>
-            <a:endParaRPr lang="en-US" sz="2000" dirty="0" smtClean="0">
+            <a:endParaRPr lang="en-US" sz="2000" dirty="0">
               <a:solidFill>
                 <a:schemeClr val="tx1"/>
               </a:solidFill>
@@ -35214,7 +34977,7 @@
           <a:p>
             <a:pPr lvl="0"/>
             <a:r>
-              <a:rPr lang="en-US" sz="2000" b="1" dirty="0" smtClean="0">
+              <a:rPr lang="en-US" sz="2000" b="1" dirty="0">
                 <a:solidFill>
                   <a:schemeClr val="bg1"/>
                 </a:solidFill>
@@ -35269,7 +35032,7 @@
               <a:buNone/>
             </a:pPr>
             <a:r>
-              <a:rPr lang="en-US" dirty="0" smtClean="0">
+              <a:rPr lang="en-US" dirty="0">
                 <a:solidFill>
                   <a:schemeClr val="tx1"/>
                 </a:solidFill>
@@ -35285,7 +35048,7 @@
               <a:buNone/>
             </a:pPr>
             <a:r>
-              <a:rPr lang="en-US" dirty="0" smtClean="0">
+              <a:rPr lang="en-US" dirty="0">
                 <a:solidFill>
                   <a:schemeClr val="tx1"/>
                 </a:solidFill>
@@ -35305,7 +35068,7 @@
               <a:buAutoNum type="alphaUcPeriod"/>
             </a:pPr>
             <a:r>
-              <a:rPr lang="en-US" dirty="0" smtClean="0">
+              <a:rPr lang="en-US" dirty="0">
                 <a:solidFill>
                   <a:schemeClr val="tx1"/>
                 </a:solidFill>
@@ -35325,7 +35088,7 @@
               <a:buAutoNum type="alphaUcPeriod"/>
             </a:pPr>
             <a:r>
-              <a:rPr lang="en-US" dirty="0" smtClean="0">
+              <a:rPr lang="en-US" dirty="0">
                 <a:solidFill>
                   <a:schemeClr val="tx1"/>
                 </a:solidFill>
@@ -35345,7 +35108,7 @@
               <a:buAutoNum type="alphaUcPeriod"/>
             </a:pPr>
             <a:r>
-              <a:rPr lang="en-US" dirty="0" smtClean="0">
+              <a:rPr lang="en-US" dirty="0">
                 <a:solidFill>
                   <a:schemeClr val="tx1"/>
                 </a:solidFill>
@@ -35365,18 +35128,13 @@
               <a:buAutoNum type="alphaUcPeriod"/>
             </a:pPr>
             <a:r>
-              <a:rPr lang="en-US" dirty="0" smtClean="0">
+              <a:rPr lang="en-US" dirty="0">
                 <a:solidFill>
                   <a:schemeClr val="tx1"/>
                 </a:solidFill>
               </a:rPr>
               <a:t>25200</a:t>
             </a:r>
-            <a:endParaRPr lang="en-US" dirty="0">
-              <a:solidFill>
-                <a:schemeClr val="tx1"/>
-              </a:solidFill>
-            </a:endParaRPr>
           </a:p>
         </p:txBody>
       </p:sp>
@@ -35403,10 +35161,9 @@
           <a:lstStyle/>
           <a:p>
             <a:r>
-              <a:rPr lang="en-US" sz="1800" b="1" dirty="0" smtClean="0"/>
+              <a:rPr lang="en-US" sz="1800" b="1" dirty="0"/>
               <a:t>Answer: D </a:t>
             </a:r>
-            <a:endParaRPr lang="en-US" sz="1800" b="1" dirty="0"/>
           </a:p>
         </p:txBody>
       </p:sp>
@@ -36417,7 +36174,7 @@
           <a:p>
             <a:pPr lvl="0"/>
             <a:r>
-              <a:rPr lang="en-GB" sz="1800" b="1" dirty="0" smtClean="0">
+              <a:rPr lang="en-GB" sz="1800" b="1" dirty="0">
                 <a:solidFill>
                   <a:schemeClr val="bg1"/>
                 </a:solidFill>
@@ -36428,15 +36185,6 @@
               </a:rPr>
               <a:t>Explanation:  01</a:t>
             </a:r>
-            <a:endParaRPr lang="en-GB" sz="1800" b="1" dirty="0">
-              <a:solidFill>
-                <a:schemeClr val="bg1"/>
-              </a:solidFill>
-              <a:latin typeface="Roboto"/>
-              <a:ea typeface="Roboto"/>
-              <a:cs typeface="Roboto"/>
-              <a:sym typeface="Roboto"/>
-            </a:endParaRPr>
           </a:p>
         </p:txBody>
       </p:sp>
@@ -36464,7 +36212,7 @@
               <a:buNone/>
             </a:pPr>
             <a:r>
-              <a:rPr lang="en-US" dirty="0" smtClean="0">
+              <a:rPr lang="en-US" dirty="0">
                 <a:solidFill>
                   <a:schemeClr val="tx1"/>
                 </a:solidFill>
@@ -36477,7 +36225,7 @@
               <a:buNone/>
             </a:pPr>
             <a:r>
-              <a:rPr lang="en-US" dirty="0" smtClean="0">
+              <a:rPr lang="en-US" dirty="0">
                 <a:solidFill>
                   <a:schemeClr val="tx1"/>
                 </a:solidFill>
@@ -36490,7 +36238,7 @@
               <a:buNone/>
             </a:pPr>
             <a:r>
-              <a:rPr lang="en-US" dirty="0" smtClean="0">
+              <a:rPr lang="en-US" dirty="0">
                 <a:solidFill>
                   <a:schemeClr val="tx1"/>
                 </a:solidFill>
@@ -36503,7 +36251,7 @@
               <a:buNone/>
             </a:pPr>
             <a:r>
-              <a:rPr lang="en-US" dirty="0" smtClean="0">
+              <a:rPr lang="en-US" dirty="0">
                 <a:solidFill>
                   <a:schemeClr val="tx1"/>
                 </a:solidFill>
@@ -36516,7 +36264,7 @@
               <a:buNone/>
             </a:pPr>
             <a:r>
-              <a:rPr lang="en-US" dirty="0" smtClean="0">
+              <a:rPr lang="en-US" dirty="0">
                 <a:solidFill>
                   <a:schemeClr val="tx1"/>
                 </a:solidFill>
@@ -36529,7 +36277,7 @@
               <a:buNone/>
             </a:pPr>
             <a:r>
-              <a:rPr lang="en-US" dirty="0" smtClean="0">
+              <a:rPr lang="en-US" dirty="0">
                 <a:solidFill>
                   <a:schemeClr val="tx1"/>
                 </a:solidFill>
@@ -36542,7 +36290,7 @@
               <a:buNone/>
             </a:pPr>
             <a:r>
-              <a:rPr lang="en-US" dirty="0" smtClean="0">
+              <a:rPr lang="en-US" dirty="0">
                 <a:solidFill>
                   <a:schemeClr val="tx1"/>
                 </a:solidFill>
@@ -36555,7 +36303,7 @@
               <a:buNone/>
             </a:pPr>
             <a:r>
-              <a:rPr lang="en-US" dirty="0" smtClean="0">
+              <a:rPr lang="en-US" dirty="0">
                 <a:solidFill>
                   <a:schemeClr val="tx1"/>
                 </a:solidFill>
@@ -36568,18 +36316,13 @@
               <a:buNone/>
             </a:pPr>
             <a:r>
-              <a:rPr lang="en-US" dirty="0" smtClean="0">
+              <a:rPr lang="en-US" dirty="0">
                 <a:solidFill>
                   <a:schemeClr val="tx1"/>
                 </a:solidFill>
               </a:rPr>
               <a:t> </a:t>
             </a:r>
-            <a:endParaRPr lang="en-US" dirty="0">
-              <a:solidFill>
-                <a:schemeClr val="tx1"/>
-              </a:solidFill>
-            </a:endParaRPr>
           </a:p>
         </p:txBody>
       </p:sp>
@@ -37699,7 +37442,7 @@
           <a:p>
             <a:pPr lvl="0"/>
             <a:r>
-              <a:rPr lang="en-US" sz="2000" b="1" dirty="0" smtClean="0">
+              <a:rPr lang="en-US" sz="2000" b="1" dirty="0">
                 <a:solidFill>
                   <a:schemeClr val="bg1"/>
                 </a:solidFill>
@@ -37754,7 +37497,7 @@
               <a:buNone/>
             </a:pPr>
             <a:r>
-              <a:rPr lang="en-US" dirty="0" smtClean="0">
+              <a:rPr lang="en-US" dirty="0">
                 <a:solidFill>
                   <a:schemeClr val="tx1"/>
                 </a:solidFill>
@@ -37770,7 +37513,7 @@
               <a:buNone/>
             </a:pPr>
             <a:r>
-              <a:rPr lang="en-US" dirty="0" smtClean="0">
+              <a:rPr lang="en-US" dirty="0">
                 <a:solidFill>
                   <a:schemeClr val="tx1"/>
                 </a:solidFill>
@@ -37786,7 +37529,7 @@
               <a:buNone/>
             </a:pPr>
             <a:r>
-              <a:rPr lang="en-US" dirty="0" smtClean="0">
+              <a:rPr lang="en-US" dirty="0">
                 <a:solidFill>
                   <a:schemeClr val="tx1"/>
                 </a:solidFill>
@@ -37806,7 +37549,7 @@
               <a:buAutoNum type="alphaUcPeriod"/>
             </a:pPr>
             <a:r>
-              <a:rPr lang="en-US" dirty="0" smtClean="0">
+              <a:rPr lang="en-US" dirty="0">
                 <a:solidFill>
                   <a:schemeClr val="tx1"/>
                 </a:solidFill>
@@ -37826,7 +37569,7 @@
               <a:buAutoNum type="alphaUcPeriod"/>
             </a:pPr>
             <a:r>
-              <a:rPr lang="en-US" dirty="0" smtClean="0">
+              <a:rPr lang="en-US" dirty="0">
                 <a:solidFill>
                   <a:schemeClr val="tx1"/>
                 </a:solidFill>
@@ -37846,7 +37589,7 @@
               <a:buAutoNum type="alphaUcPeriod"/>
             </a:pPr>
             <a:r>
-              <a:rPr lang="en-US" dirty="0" smtClean="0">
+              <a:rPr lang="en-US" dirty="0">
                 <a:solidFill>
                   <a:schemeClr val="tx1"/>
                 </a:solidFill>
@@ -37866,18 +37609,13 @@
               <a:buAutoNum type="alphaUcPeriod"/>
             </a:pPr>
             <a:r>
-              <a:rPr lang="en-US" dirty="0" smtClean="0">
+              <a:rPr lang="en-US" dirty="0">
                 <a:solidFill>
                   <a:schemeClr val="tx1"/>
                 </a:solidFill>
               </a:rPr>
               <a:t>812</a:t>
             </a:r>
-            <a:endParaRPr lang="en-US" dirty="0">
-              <a:solidFill>
-                <a:schemeClr val="tx1"/>
-              </a:solidFill>
-            </a:endParaRPr>
           </a:p>
         </p:txBody>
       </p:sp>
@@ -37904,10 +37642,9 @@
           <a:lstStyle/>
           <a:p>
             <a:r>
-              <a:rPr lang="en-US" sz="1800" b="1" dirty="0" smtClean="0"/>
+              <a:rPr lang="en-US" sz="1800" b="1" dirty="0"/>
               <a:t>Answer: C </a:t>
             </a:r>
-            <a:endParaRPr lang="en-US" sz="1800" b="1" dirty="0"/>
           </a:p>
         </p:txBody>
       </p:sp>
@@ -39021,7 +38758,7 @@
           <a:p>
             <a:pPr lvl="0"/>
             <a:r>
-              <a:rPr lang="en-US" sz="2000" b="1" dirty="0" smtClean="0">
+              <a:rPr lang="en-US" sz="2000" b="1" dirty="0">
                 <a:solidFill>
                   <a:schemeClr val="bg1"/>
                 </a:solidFill>
@@ -39068,7 +38805,7 @@
               <a:buNone/>
             </a:pPr>
             <a:r>
-              <a:rPr lang="en-US" dirty="0" smtClean="0">
+              <a:rPr lang="en-US" dirty="0">
                 <a:solidFill>
                   <a:schemeClr val="tx1"/>
                 </a:solidFill>
@@ -39081,7 +38818,7 @@
               <a:buNone/>
             </a:pPr>
             <a:r>
-              <a:rPr lang="en-US" dirty="0" smtClean="0">
+              <a:rPr lang="en-US" dirty="0">
                 <a:solidFill>
                   <a:schemeClr val="tx1"/>
                 </a:solidFill>
@@ -39089,14 +38826,14 @@
               <a:t> men. Hence we have the following 3 choices We can select 5 men ——(Option 1)</a:t>
             </a:r>
             <a:br>
-              <a:rPr lang="en-US" dirty="0" smtClean="0">
+              <a:rPr lang="en-US" dirty="0">
                 <a:solidFill>
                   <a:schemeClr val="tx1"/>
                 </a:solidFill>
               </a:rPr>
             </a:br>
             <a:r>
-              <a:rPr lang="en-US" dirty="0" smtClean="0">
+              <a:rPr lang="en-US" dirty="0">
                 <a:solidFill>
                   <a:schemeClr val="tx1"/>
                 </a:solidFill>
@@ -39109,7 +38846,7 @@
               <a:buNone/>
             </a:pPr>
             <a:r>
-              <a:rPr lang="en-US" dirty="0" smtClean="0">
+              <a:rPr lang="en-US" dirty="0">
                 <a:solidFill>
                   <a:schemeClr val="tx1"/>
                 </a:solidFill>
@@ -39117,14 +38854,14 @@
               <a:t>We can select 4 men and 1 woman ——(Option 2)</a:t>
             </a:r>
             <a:br>
-              <a:rPr lang="en-US" dirty="0" smtClean="0">
+              <a:rPr lang="en-US" dirty="0">
                 <a:solidFill>
                   <a:schemeClr val="tx1"/>
                 </a:solidFill>
               </a:rPr>
             </a:br>
             <a:r>
-              <a:rPr lang="en-US" dirty="0" smtClean="0">
+              <a:rPr lang="en-US" dirty="0">
                 <a:solidFill>
                   <a:schemeClr val="tx1"/>
                 </a:solidFill>
@@ -39137,7 +38874,7 @@
               <a:buNone/>
             </a:pPr>
             <a:r>
-              <a:rPr lang="en-US" dirty="0" smtClean="0">
+              <a:rPr lang="en-US" dirty="0">
                 <a:solidFill>
                   <a:schemeClr val="tx1"/>
                 </a:solidFill>
@@ -39145,14 +38882,14 @@
               <a:t>We can select 3 men and 2 women ——(Option 3)</a:t>
             </a:r>
             <a:br>
-              <a:rPr lang="en-US" dirty="0" smtClean="0">
+              <a:rPr lang="en-US" dirty="0">
                 <a:solidFill>
                   <a:schemeClr val="tx1"/>
                 </a:solidFill>
               </a:rPr>
             </a:br>
             <a:r>
-              <a:rPr lang="en-US" dirty="0" smtClean="0">
+              <a:rPr lang="en-US" dirty="0">
                 <a:solidFill>
                   <a:schemeClr val="tx1"/>
                 </a:solidFill>
@@ -39165,7 +38902,7 @@
               <a:buNone/>
             </a:pPr>
             <a:r>
-              <a:rPr lang="en-US" dirty="0" smtClean="0">
+              <a:rPr lang="en-US" dirty="0">
                 <a:solidFill>
                   <a:schemeClr val="tx1"/>
                 </a:solidFill>
@@ -39173,14 +38910,14 @@
               <a:t>Total number of ways</a:t>
             </a:r>
             <a:br>
-              <a:rPr lang="en-US" dirty="0" smtClean="0">
+              <a:rPr lang="en-US" dirty="0">
                 <a:solidFill>
                   <a:schemeClr val="tx1"/>
                 </a:solidFill>
               </a:rPr>
             </a:br>
             <a:r>
-              <a:rPr lang="en-US" dirty="0" smtClean="0">
+              <a:rPr lang="en-US" dirty="0">
                 <a:solidFill>
                   <a:schemeClr val="tx1"/>
                 </a:solidFill>
@@ -39188,14 +38925,14 @@
               <a:t>= 7C5 + [7C4 x 6C1] + [7C3 x 6C2]</a:t>
             </a:r>
             <a:br>
-              <a:rPr lang="en-US" dirty="0" smtClean="0">
+              <a:rPr lang="en-US" dirty="0">
                 <a:solidFill>
                   <a:schemeClr val="tx1"/>
                 </a:solidFill>
               </a:rPr>
             </a:br>
             <a:r>
-              <a:rPr lang="en-US" dirty="0" smtClean="0">
+              <a:rPr lang="en-US" dirty="0">
                 <a:solidFill>
                   <a:schemeClr val="tx1"/>
                 </a:solidFill>
@@ -39203,7 +38940,7 @@
               <a:t>= 7C2 + [7C3 x 6C1] + [7C3 x 6C2] [</a:t>
             </a:r>
             <a:r>
-              <a:rPr lang="en-US" i="1" dirty="0" smtClean="0">
+              <a:rPr lang="en-US" i="1" dirty="0">
                 <a:solidFill>
                   <a:schemeClr val="tx1"/>
                 </a:solidFill>
@@ -39211,7 +38948,7 @@
               <a:t>Applied the formula </a:t>
             </a:r>
             <a:r>
-              <a:rPr lang="en-US" i="1" dirty="0" err="1" smtClean="0">
+              <a:rPr lang="en-US" i="1" dirty="0" err="1">
                 <a:solidFill>
                   <a:schemeClr val="tx1"/>
                 </a:solidFill>
@@ -39219,7 +38956,7 @@
               <a:t>nCr</a:t>
             </a:r>
             <a:r>
-              <a:rPr lang="en-US" i="1" dirty="0" smtClean="0">
+              <a:rPr lang="en-US" i="1" dirty="0">
                 <a:solidFill>
                   <a:schemeClr val="tx1"/>
                 </a:solidFill>
@@ -39227,7 +38964,7 @@
               <a:t> = </a:t>
             </a:r>
             <a:r>
-              <a:rPr lang="en-US" i="1" dirty="0" err="1" smtClean="0">
+              <a:rPr lang="en-US" i="1" dirty="0" err="1">
                 <a:solidFill>
                   <a:schemeClr val="tx1"/>
                 </a:solidFill>
@@ -39235,7 +38972,7 @@
               <a:t>nC</a:t>
             </a:r>
             <a:r>
-              <a:rPr lang="en-US" i="1" dirty="0" smtClean="0">
+              <a:rPr lang="en-US" i="1" dirty="0">
                 <a:solidFill>
                   <a:schemeClr val="tx1"/>
                 </a:solidFill>
@@ -39243,7 +38980,7 @@
               <a:t>(n – r) </a:t>
             </a:r>
             <a:r>
-              <a:rPr lang="en-US" dirty="0" smtClean="0">
+              <a:rPr lang="en-US" dirty="0">
                 <a:solidFill>
                   <a:schemeClr val="tx1"/>
                 </a:solidFill>
@@ -39256,7 +38993,7 @@
               <a:buNone/>
             </a:pPr>
             <a:r>
-              <a:rPr lang="en-US" dirty="0" smtClean="0">
+              <a:rPr lang="en-US" dirty="0">
                 <a:solidFill>
                   <a:schemeClr val="tx1"/>
                 </a:solidFill>
@@ -39269,7 +39006,7 @@
               <a:buNone/>
             </a:pPr>
             <a:r>
-              <a:rPr lang="en-US" dirty="0" smtClean="0">
+              <a:rPr lang="en-US" dirty="0">
                 <a:solidFill>
                   <a:schemeClr val="tx1"/>
                 </a:solidFill>
@@ -39281,16 +39018,8 @@
             <a:pPr>
               <a:buNone/>
             </a:pPr>
-            <a:r>
-              <a:rPr lang="en-US" dirty="0" smtClean="0">
-                <a:solidFill>
-                  <a:schemeClr val="tx1"/>
-                </a:solidFill>
-              </a:rPr>
-              <a:t/>
-            </a:r>
             <a:br>
-              <a:rPr lang="en-US" dirty="0" smtClean="0">
+              <a:rPr lang="en-US" dirty="0">
                 <a:solidFill>
                   <a:schemeClr val="tx1"/>
                 </a:solidFill>
@@ -39312,13 +39041,6 @@
     <a:masterClrMapping/>
   </p:clrMapOvr>
   <p:transition/>
-  <p:timing>
-    <p:tnLst>
-      <p:par>
-        <p:cTn id="1" dur="indefinite" restart="never" nodeType="tmRoot"/>
-      </p:par>
-    </p:tnLst>
-  </p:timing>
 </p:sld>
 </file>
 
@@ -39469,7 +39191,7 @@
           <a:p>
             <a:pPr lvl="0"/>
             <a:r>
-              <a:rPr lang="en-US" sz="2000" b="1" dirty="0" smtClean="0">
+              <a:rPr lang="en-US" sz="2000" b="1" dirty="0">
                 <a:solidFill>
                   <a:schemeClr val="bg1"/>
                 </a:solidFill>
@@ -39524,7 +39246,7 @@
               <a:buNone/>
             </a:pPr>
             <a:r>
-              <a:rPr lang="en-US" dirty="0" smtClean="0">
+              <a:rPr lang="en-US" dirty="0">
                 <a:solidFill>
                   <a:schemeClr val="tx1"/>
                 </a:solidFill>
@@ -39544,7 +39266,7 @@
               <a:buAutoNum type="alphaUcPeriod"/>
             </a:pPr>
             <a:r>
-              <a:rPr lang="en-US" dirty="0" smtClean="0">
+              <a:rPr lang="en-US" dirty="0">
                 <a:solidFill>
                   <a:schemeClr val="tx1"/>
                 </a:solidFill>
@@ -39564,7 +39286,7 @@
               <a:buAutoNum type="alphaUcPeriod"/>
             </a:pPr>
             <a:r>
-              <a:rPr lang="en-US" dirty="0" smtClean="0">
+              <a:rPr lang="en-US" dirty="0">
                 <a:solidFill>
                   <a:schemeClr val="tx1"/>
                 </a:solidFill>
@@ -39584,7 +39306,7 @@
               <a:buAutoNum type="alphaUcPeriod"/>
             </a:pPr>
             <a:r>
-              <a:rPr lang="en-US" dirty="0" smtClean="0">
+              <a:rPr lang="en-US" dirty="0">
                 <a:solidFill>
                   <a:schemeClr val="tx1"/>
                 </a:solidFill>
@@ -39604,7 +39326,7 @@
               <a:buAutoNum type="alphaUcPeriod"/>
             </a:pPr>
             <a:r>
-              <a:rPr lang="en-US" dirty="0" smtClean="0">
+              <a:rPr lang="en-US" dirty="0">
                 <a:solidFill>
                   <a:schemeClr val="tx1"/>
                 </a:solidFill>
@@ -39619,7 +39341,7 @@
               </a:lnSpc>
               <a:buNone/>
             </a:pPr>
-            <a:endParaRPr lang="en-US" dirty="0" smtClean="0">
+            <a:endParaRPr lang="en-US" dirty="0">
               <a:solidFill>
                 <a:schemeClr val="tx1"/>
               </a:solidFill>
@@ -39632,16 +39354,8 @@
               </a:lnSpc>
               <a:buNone/>
             </a:pPr>
-            <a:r>
-              <a:rPr lang="en-US" dirty="0" smtClean="0">
-                <a:solidFill>
-                  <a:schemeClr val="tx1"/>
-                </a:solidFill>
-              </a:rPr>
-              <a:t/>
-            </a:r>
             <a:br>
-              <a:rPr lang="en-US" dirty="0" smtClean="0">
+              <a:rPr lang="en-US" dirty="0">
                 <a:solidFill>
                   <a:schemeClr val="tx1"/>
                 </a:solidFill>
@@ -39680,10 +39394,9 @@
           <a:lstStyle/>
           <a:p>
             <a:r>
-              <a:rPr lang="en-US" sz="1800" b="1" dirty="0" smtClean="0"/>
+              <a:rPr lang="en-US" sz="1800" b="1" dirty="0"/>
               <a:t>Answer: A </a:t>
             </a:r>
-            <a:endParaRPr lang="en-US" sz="1800" b="1" dirty="0"/>
           </a:p>
         </p:txBody>
       </p:sp>
@@ -39692,14 +39405,6 @@
   <p:clrMapOvr>
     <a:masterClrMapping/>
   </p:clrMapOvr>
-  <mc:AlternateContent xmlns:mc="http://schemas.openxmlformats.org/markup-compatibility/2006" xmlns:p14="http://schemas.microsoft.com/office/powerpoint/2010/main">
-    <mc:Choice Requires="p14">
-      <p:transition spd="slow" p14:dur="2000"/>
-    </mc:Choice>
-    <mc:Fallback xmlns="">
-      <p:transition spd="slow"/>
-    </mc:Fallback>
-  </mc:AlternateContent>
   <p:timing>
     <p:tnLst>
       <p:par>
@@ -41283,13 +40988,36 @@
 </file>
 
 <file path=customXml/itemProps1.xml><?xml version="1.0" encoding="utf-8"?>
-<ds:datastoreItem xmlns:ds="http://schemas.openxmlformats.org/officeDocument/2006/customXml" ds:itemID="{F38F3D3D-B59A-48C4-98A3-5F22C18237EB}"/>
+<ds:datastoreItem xmlns:ds="http://schemas.openxmlformats.org/officeDocument/2006/customXml" ds:itemID="{F38F3D3D-B59A-48C4-98A3-5F22C18237EB}">
+  <ds:schemaRefs>
+    <ds:schemaRef ds:uri="http://schemas.microsoft.com/office/2006/metadata/contentType"/>
+    <ds:schemaRef ds:uri="http://schemas.microsoft.com/office/2006/metadata/properties/metaAttributes"/>
+    <ds:schemaRef ds:uri="http://www.w3.org/2001/XMLSchema"/>
+    <ds:schemaRef ds:uri="http://schemas.microsoft.com/office/2006/metadata/properties"/>
+    <ds:schemaRef ds:uri="b59e9f2d-0158-4a14-8bbe-457d8844f88f"/>
+    <ds:schemaRef ds:uri="http://schemas.microsoft.com/office/2006/documentManagement/types"/>
+    <ds:schemaRef ds:uri="http://schemas.microsoft.com/office/infopath/2007/PartnerControls"/>
+    <ds:schemaRef ds:uri="http://schemas.openxmlformats.org/package/2006/metadata/core-properties"/>
+    <ds:schemaRef ds:uri="http://purl.org/dc/elements/1.1/"/>
+    <ds:schemaRef ds:uri="http://purl.org/dc/terms/"/>
+    <ds:schemaRef ds:uri="http://schemas.microsoft.com/internal/obd"/>
+  </ds:schemaRefs>
+</ds:datastoreItem>
 </file>
 
 <file path=customXml/itemProps2.xml><?xml version="1.0" encoding="utf-8"?>
-<ds:datastoreItem xmlns:ds="http://schemas.openxmlformats.org/officeDocument/2006/customXml" ds:itemID="{4551B9E3-1421-4EB7-B64E-227761F2E7AB}"/>
+<ds:datastoreItem xmlns:ds="http://schemas.openxmlformats.org/officeDocument/2006/customXml" ds:itemID="{4551B9E3-1421-4EB7-B64E-227761F2E7AB}">
+  <ds:schemaRefs>
+    <ds:schemaRef ds:uri="http://schemas.microsoft.com/sharepoint/v3/contenttype/forms"/>
+  </ds:schemaRefs>
+</ds:datastoreItem>
 </file>
 
 <file path=customXml/itemProps3.xml><?xml version="1.0" encoding="utf-8"?>
-<ds:datastoreItem xmlns:ds="http://schemas.openxmlformats.org/officeDocument/2006/customXml" ds:itemID="{C94523C4-4625-4CB6-B0CD-A7BDE07CF19B}"/>
+<ds:datastoreItem xmlns:ds="http://schemas.openxmlformats.org/officeDocument/2006/customXml" ds:itemID="{C94523C4-4625-4CB6-B0CD-A7BDE07CF19B}">
+  <ds:schemaRefs>
+    <ds:schemaRef ds:uri="http://schemas.microsoft.com/office/2006/metadata/properties"/>
+    <ds:schemaRef ds:uri="http://schemas.microsoft.com/office/infopath/2007/PartnerControls"/>
+  </ds:schemaRefs>
+</ds:datastoreItem>
 </file>